--- a/Doku/Präsentation/Showcase_AntidustA2.0_Fernwartung.pptx
+++ b/Doku/Präsentation/Showcase_AntidustA2.0_Fernwartung.pptx
@@ -5,10 +5,10 @@
     <p:sldMasterId id="2147483850" r:id="rId1"/>
   </p:sldMasterIdLst>
   <p:notesMasterIdLst>
-    <p:notesMasterId r:id="rId8"/>
+    <p:notesMasterId r:id="rId11"/>
   </p:notesMasterIdLst>
   <p:handoutMasterIdLst>
-    <p:handoutMasterId r:id="rId9"/>
+    <p:handoutMasterId r:id="rId12"/>
   </p:handoutMasterIdLst>
   <p:sldIdLst>
     <p:sldId id="348" r:id="rId2"/>
@@ -17,6 +17,9 @@
     <p:sldId id="361" r:id="rId5"/>
     <p:sldId id="362" r:id="rId6"/>
     <p:sldId id="363" r:id="rId7"/>
+    <p:sldId id="365" r:id="rId8"/>
+    <p:sldId id="366" r:id="rId9"/>
+    <p:sldId id="367" r:id="rId10"/>
   </p:sldIdLst>
   <p:sldSz cx="12192000" cy="6858000"/>
   <p:notesSz cx="6858000" cy="9144000"/>
@@ -440,7 +443,7 @@
             <a:fld id="{F8815773-C2AC-4D4C-A5CB-DE5E27F4B853}" type="datetime1">
               <a:rPr lang="de-DE" altLang="de-DE"/>
               <a:pPr/>
-              <a:t>23.01.2021</a:t>
+              <a:t>25.01.2021</a:t>
             </a:fld>
             <a:endParaRPr lang="de-DE" altLang="de-DE"/>
           </a:p>
@@ -645,7 +648,7 @@
             <a:fld id="{87C4869C-3395-4998-A6AE-0C55462BD81A}" type="datetime1">
               <a:rPr lang="de-DE" altLang="de-DE"/>
               <a:pPr/>
-              <a:t>23.01.2021</a:t>
+              <a:t>25.01.2021</a:t>
             </a:fld>
             <a:endParaRPr lang="de-DE" altLang="de-DE"/>
           </a:p>
@@ -1113,7 +1116,7 @@
           <a:p>
             <a:fld id="{CE458A8D-8D33-43C0-9B76-C9C5C5C45B16}" type="datetimeFigureOut">
               <a:rPr lang="de-DE" smtClean="0"/>
-              <a:t>23.01.2021</a:t>
+              <a:t>25.01.2021</a:t>
             </a:fld>
             <a:endParaRPr lang="de-DE"/>
           </a:p>
@@ -1313,7 +1316,7 @@
           <a:p>
             <a:fld id="{CE458A8D-8D33-43C0-9B76-C9C5C5C45B16}" type="datetimeFigureOut">
               <a:rPr lang="de-DE" smtClean="0"/>
-              <a:t>23.01.2021</a:t>
+              <a:t>25.01.2021</a:t>
             </a:fld>
             <a:endParaRPr lang="de-DE"/>
           </a:p>
@@ -1523,7 +1526,7 @@
           <a:p>
             <a:fld id="{CE458A8D-8D33-43C0-9B76-C9C5C5C45B16}" type="datetimeFigureOut">
               <a:rPr lang="de-DE" smtClean="0"/>
-              <a:t>23.01.2021</a:t>
+              <a:t>25.01.2021</a:t>
             </a:fld>
             <a:endParaRPr lang="de-DE"/>
           </a:p>
@@ -4463,7 +4466,7 @@
           <a:p>
             <a:fld id="{CE458A8D-8D33-43C0-9B76-C9C5C5C45B16}" type="datetimeFigureOut">
               <a:rPr lang="de-DE" smtClean="0"/>
-              <a:t>23.01.2021</a:t>
+              <a:t>25.01.2021</a:t>
             </a:fld>
             <a:endParaRPr lang="de-DE"/>
           </a:p>
@@ -4740,7 +4743,7 @@
           <a:p>
             <a:fld id="{CE458A8D-8D33-43C0-9B76-C9C5C5C45B16}" type="datetimeFigureOut">
               <a:rPr lang="de-DE" smtClean="0"/>
-              <a:t>23.01.2021</a:t>
+              <a:t>25.01.2021</a:t>
             </a:fld>
             <a:endParaRPr lang="de-DE"/>
           </a:p>
@@ -5007,7 +5010,7 @@
           <a:p>
             <a:fld id="{CE458A8D-8D33-43C0-9B76-C9C5C5C45B16}" type="datetimeFigureOut">
               <a:rPr lang="de-DE" smtClean="0"/>
-              <a:t>23.01.2021</a:t>
+              <a:t>25.01.2021</a:t>
             </a:fld>
             <a:endParaRPr lang="de-DE"/>
           </a:p>
@@ -5421,7 +5424,7 @@
           <a:p>
             <a:fld id="{CE458A8D-8D33-43C0-9B76-C9C5C5C45B16}" type="datetimeFigureOut">
               <a:rPr lang="de-DE" smtClean="0"/>
-              <a:t>23.01.2021</a:t>
+              <a:t>25.01.2021</a:t>
             </a:fld>
             <a:endParaRPr lang="de-DE"/>
           </a:p>
@@ -5564,7 +5567,7 @@
           <a:p>
             <a:fld id="{CE458A8D-8D33-43C0-9B76-C9C5C5C45B16}" type="datetimeFigureOut">
               <a:rPr lang="de-DE" smtClean="0"/>
-              <a:t>23.01.2021</a:t>
+              <a:t>25.01.2021</a:t>
             </a:fld>
             <a:endParaRPr lang="de-DE"/>
           </a:p>
@@ -5679,7 +5682,7 @@
           <a:p>
             <a:fld id="{CE458A8D-8D33-43C0-9B76-C9C5C5C45B16}" type="datetimeFigureOut">
               <a:rPr lang="de-DE" smtClean="0"/>
-              <a:t>23.01.2021</a:t>
+              <a:t>25.01.2021</a:t>
             </a:fld>
             <a:endParaRPr lang="de-DE"/>
           </a:p>
@@ -5992,7 +5995,7 @@
           <a:p>
             <a:fld id="{CE458A8D-8D33-43C0-9B76-C9C5C5C45B16}" type="datetimeFigureOut">
               <a:rPr lang="de-DE" smtClean="0"/>
-              <a:t>23.01.2021</a:t>
+              <a:t>25.01.2021</a:t>
             </a:fld>
             <a:endParaRPr lang="de-DE"/>
           </a:p>
@@ -6282,7 +6285,7 @@
           <a:p>
             <a:fld id="{CE458A8D-8D33-43C0-9B76-C9C5C5C45B16}" type="datetimeFigureOut">
               <a:rPr lang="de-DE" smtClean="0"/>
-              <a:t>23.01.2021</a:t>
+              <a:t>25.01.2021</a:t>
             </a:fld>
             <a:endParaRPr lang="de-DE"/>
           </a:p>
@@ -6525,7 +6528,7 @@
           <a:p>
             <a:fld id="{CE458A8D-8D33-43C0-9B76-C9C5C5C45B16}" type="datetimeFigureOut">
               <a:rPr lang="de-DE" smtClean="0"/>
-              <a:t>23.01.2021</a:t>
+              <a:t>25.01.2021</a:t>
             </a:fld>
             <a:endParaRPr lang="de-DE"/>
           </a:p>
@@ -8311,31 +8314,6 @@
       </p:sp>
       <p:sp>
         <p:nvSpPr>
-          <p:cNvPr id="3" name="Textplatzhalter 2">
-            <a:extLst>
-              <a:ext uri="{FF2B5EF4-FFF2-40B4-BE49-F238E27FC236}">
-                <a16:creationId xmlns:a16="http://schemas.microsoft.com/office/drawing/2014/main" id="{05F02B3B-0C9D-4338-ACEC-9F9B7BAD1F95}"/>
-              </a:ext>
-            </a:extLst>
-          </p:cNvPr>
-          <p:cNvSpPr>
-            <a:spLocks noGrp="1"/>
-          </p:cNvSpPr>
-          <p:nvPr>
-            <p:ph type="body" sz="quarter" idx="20"/>
-          </p:nvPr>
-        </p:nvSpPr>
-        <p:spPr/>
-        <p:txBody>
-          <a:bodyPr/>
-          <a:lstStyle/>
-          <a:p>
-            <a:endParaRPr lang="de-DE" dirty="0"/>
-          </a:p>
-        </p:txBody>
-      </p:sp>
-      <p:sp>
-        <p:nvSpPr>
           <p:cNvPr id="4" name="Foliennummernplatzhalter 3">
             <a:extLst>
               <a:ext uri="{FF2B5EF4-FFF2-40B4-BE49-F238E27FC236}">
@@ -8364,6 +8342,317 @@
           </a:p>
         </p:txBody>
       </p:sp>
+      <p:pic>
+        <p:nvPicPr>
+          <p:cNvPr id="6" name="Grafik 5">
+            <a:extLst>
+              <a:ext uri="{FF2B5EF4-FFF2-40B4-BE49-F238E27FC236}">
+                <a16:creationId xmlns:a16="http://schemas.microsoft.com/office/drawing/2014/main" id="{CB0CE39D-4BA8-417B-979E-7BE3226312FF}"/>
+              </a:ext>
+            </a:extLst>
+          </p:cNvPr>
+          <p:cNvPicPr>
+            <a:picLocks noChangeAspect="1"/>
+          </p:cNvPicPr>
+          <p:nvPr/>
+        </p:nvPicPr>
+        <p:blipFill>
+          <a:blip r:embed="rId2"/>
+          <a:stretch>
+            <a:fillRect/>
+          </a:stretch>
+        </p:blipFill>
+        <p:spPr>
+          <a:xfrm>
+            <a:off x="632179" y="615586"/>
+            <a:ext cx="6985529" cy="3799660"/>
+          </a:xfrm>
+          <a:prstGeom prst="rect">
+            <a:avLst/>
+          </a:prstGeom>
+          <a:ln>
+            <a:solidFill>
+              <a:schemeClr val="tx1"/>
+            </a:solidFill>
+          </a:ln>
+        </p:spPr>
+      </p:pic>
+      <p:sp>
+        <p:nvSpPr>
+          <p:cNvPr id="14" name="Textplatzhalter 2">
+            <a:extLst>
+              <a:ext uri="{FF2B5EF4-FFF2-40B4-BE49-F238E27FC236}">
+                <a16:creationId xmlns:a16="http://schemas.microsoft.com/office/drawing/2014/main" id="{17AFDCE0-9C6E-4B9A-A84C-9130BF8AE0FC}"/>
+              </a:ext>
+            </a:extLst>
+          </p:cNvPr>
+          <p:cNvSpPr txBox="1">
+            <a:spLocks/>
+          </p:cNvSpPr>
+          <p:nvPr/>
+        </p:nvSpPr>
+        <p:spPr>
+          <a:xfrm>
+            <a:off x="8102180" y="1356234"/>
+            <a:ext cx="2973168" cy="4194175"/>
+          </a:xfrm>
+          <a:prstGeom prst="rect">
+            <a:avLst/>
+          </a:prstGeom>
+        </p:spPr>
+        <p:txBody>
+          <a:bodyPr vert="horz" lIns="0" tIns="0" rIns="0" bIns="0" rtlCol="0">
+            <a:normAutofit/>
+          </a:bodyPr>
+          <a:lstStyle>
+            <a:lvl1pPr marL="0" indent="0" algn="l" defTabSz="914400" rtl="0" eaLnBrk="1" latinLnBrk="0" hangingPunct="1">
+              <a:lnSpc>
+                <a:spcPts val="2200"/>
+              </a:lnSpc>
+              <a:spcBef>
+                <a:spcPts val="50"/>
+              </a:spcBef>
+              <a:buFont typeface="Lucida Grande"/>
+              <a:buNone/>
+              <a:defRPr sz="1600" b="0" i="0" kern="1200" baseline="0">
+                <a:solidFill>
+                  <a:schemeClr val="tx1"/>
+                </a:solidFill>
+                <a:latin typeface="+mn-lt"/>
+                <a:ea typeface="+mn-ea"/>
+                <a:cs typeface="+mn-cs"/>
+              </a:defRPr>
+            </a:lvl1pPr>
+            <a:lvl2pPr marL="0" indent="360000" algn="l" defTabSz="914400" rtl="0" eaLnBrk="1" latinLnBrk="0" hangingPunct="1">
+              <a:lnSpc>
+                <a:spcPts val="2200"/>
+              </a:lnSpc>
+              <a:spcBef>
+                <a:spcPts val="50"/>
+              </a:spcBef>
+              <a:buFont typeface="Lucida Grande"/>
+              <a:buChar char="-"/>
+              <a:defRPr sz="1600" b="0" i="0" kern="1200" baseline="0">
+                <a:solidFill>
+                  <a:schemeClr val="tx1"/>
+                </a:solidFill>
+                <a:latin typeface="+mn-lt"/>
+                <a:ea typeface="+mn-ea"/>
+                <a:cs typeface="+mn-cs"/>
+              </a:defRPr>
+            </a:lvl2pPr>
+            <a:lvl3pPr marL="0" indent="360000" algn="l" defTabSz="914400" rtl="0" eaLnBrk="1" latinLnBrk="0" hangingPunct="1">
+              <a:lnSpc>
+                <a:spcPts val="2200"/>
+              </a:lnSpc>
+              <a:spcBef>
+                <a:spcPts val="50"/>
+              </a:spcBef>
+              <a:buFont typeface="Lucida Grande"/>
+              <a:buChar char="-"/>
+              <a:defRPr sz="1600" b="0" i="0" kern="1200" baseline="0">
+                <a:solidFill>
+                  <a:schemeClr val="tx1"/>
+                </a:solidFill>
+                <a:latin typeface="+mn-lt"/>
+                <a:ea typeface="+mn-ea"/>
+                <a:cs typeface="+mn-cs"/>
+              </a:defRPr>
+            </a:lvl3pPr>
+            <a:lvl4pPr marL="0" indent="360000" algn="l" defTabSz="914400" rtl="0" eaLnBrk="1" latinLnBrk="0" hangingPunct="1">
+              <a:lnSpc>
+                <a:spcPts val="2200"/>
+              </a:lnSpc>
+              <a:spcBef>
+                <a:spcPts val="50"/>
+              </a:spcBef>
+              <a:buFont typeface="Lucida Grande"/>
+              <a:buChar char="-"/>
+              <a:defRPr sz="1600" b="0" i="0" kern="1200" baseline="0">
+                <a:solidFill>
+                  <a:schemeClr val="tx1"/>
+                </a:solidFill>
+                <a:latin typeface="+mn-lt"/>
+                <a:ea typeface="+mn-ea"/>
+                <a:cs typeface="+mn-cs"/>
+              </a:defRPr>
+            </a:lvl4pPr>
+            <a:lvl5pPr marL="0" indent="360000" algn="l" defTabSz="914400" rtl="0" eaLnBrk="1" latinLnBrk="0" hangingPunct="1">
+              <a:lnSpc>
+                <a:spcPts val="2200"/>
+              </a:lnSpc>
+              <a:spcBef>
+                <a:spcPts val="50"/>
+              </a:spcBef>
+              <a:buFont typeface="Lucida Grande"/>
+              <a:buChar char="-"/>
+              <a:defRPr sz="1600" b="0" i="0" kern="1200" baseline="0">
+                <a:solidFill>
+                  <a:schemeClr val="tx1"/>
+                </a:solidFill>
+                <a:latin typeface="+mn-lt"/>
+                <a:ea typeface="+mn-ea"/>
+                <a:cs typeface="+mn-cs"/>
+              </a:defRPr>
+            </a:lvl5pPr>
+            <a:lvl6pPr marL="2514600" indent="-228600" algn="l" defTabSz="914400" rtl="0" eaLnBrk="1" latinLnBrk="0" hangingPunct="1">
+              <a:lnSpc>
+                <a:spcPct val="90000"/>
+              </a:lnSpc>
+              <a:spcBef>
+                <a:spcPts val="500"/>
+              </a:spcBef>
+              <a:buFont typeface="Arial" panose="020B0604020202020204" pitchFamily="34" charset="0"/>
+              <a:buChar char="•"/>
+              <a:defRPr sz="1800" kern="1200">
+                <a:solidFill>
+                  <a:schemeClr val="tx1"/>
+                </a:solidFill>
+                <a:latin typeface="+mn-lt"/>
+                <a:ea typeface="+mn-ea"/>
+                <a:cs typeface="+mn-cs"/>
+              </a:defRPr>
+            </a:lvl6pPr>
+            <a:lvl7pPr marL="2971800" indent="-228600" algn="l" defTabSz="914400" rtl="0" eaLnBrk="1" latinLnBrk="0" hangingPunct="1">
+              <a:lnSpc>
+                <a:spcPct val="90000"/>
+              </a:lnSpc>
+              <a:spcBef>
+                <a:spcPts val="500"/>
+              </a:spcBef>
+              <a:buFont typeface="Arial" panose="020B0604020202020204" pitchFamily="34" charset="0"/>
+              <a:buChar char="•"/>
+              <a:defRPr sz="1800" kern="1200">
+                <a:solidFill>
+                  <a:schemeClr val="tx1"/>
+                </a:solidFill>
+                <a:latin typeface="+mn-lt"/>
+                <a:ea typeface="+mn-ea"/>
+                <a:cs typeface="+mn-cs"/>
+              </a:defRPr>
+            </a:lvl7pPr>
+            <a:lvl8pPr marL="3429000" indent="-228600" algn="l" defTabSz="914400" rtl="0" eaLnBrk="1" latinLnBrk="0" hangingPunct="1">
+              <a:lnSpc>
+                <a:spcPct val="90000"/>
+              </a:lnSpc>
+              <a:spcBef>
+                <a:spcPts val="500"/>
+              </a:spcBef>
+              <a:buFont typeface="Arial" panose="020B0604020202020204" pitchFamily="34" charset="0"/>
+              <a:buChar char="•"/>
+              <a:defRPr sz="1800" kern="1200">
+                <a:solidFill>
+                  <a:schemeClr val="tx1"/>
+                </a:solidFill>
+                <a:latin typeface="+mn-lt"/>
+                <a:ea typeface="+mn-ea"/>
+                <a:cs typeface="+mn-cs"/>
+              </a:defRPr>
+            </a:lvl8pPr>
+            <a:lvl9pPr marL="3886200" indent="-228600" algn="l" defTabSz="914400" rtl="0" eaLnBrk="1" latinLnBrk="0" hangingPunct="1">
+              <a:lnSpc>
+                <a:spcPct val="90000"/>
+              </a:lnSpc>
+              <a:spcBef>
+                <a:spcPts val="500"/>
+              </a:spcBef>
+              <a:buFont typeface="Arial" panose="020B0604020202020204" pitchFamily="34" charset="0"/>
+              <a:buChar char="•"/>
+              <a:defRPr sz="1800" kern="1200">
+                <a:solidFill>
+                  <a:schemeClr val="tx1"/>
+                </a:solidFill>
+                <a:latin typeface="+mn-lt"/>
+                <a:ea typeface="+mn-ea"/>
+                <a:cs typeface="+mn-cs"/>
+              </a:defRPr>
+            </a:lvl9pPr>
+          </a:lstStyle>
+          <a:p>
+            <a:r>
+              <a:rPr lang="de-DE" dirty="0"/>
+              <a:t>GUI verwenden:</a:t>
+            </a:r>
+          </a:p>
+          <a:p>
+            <a:pPr marL="285750" indent="-285750">
+              <a:buFont typeface="Arial" panose="020B0604020202020204" pitchFamily="34" charset="0"/>
+              <a:buChar char="•"/>
+            </a:pPr>
+            <a:r>
+              <a:rPr lang="de-DE" dirty="0" err="1"/>
+              <a:t>AntidustA</a:t>
+            </a:r>
+            <a:r>
+              <a:rPr lang="de-DE" dirty="0"/>
+              <a:t> einschalten</a:t>
+            </a:r>
+          </a:p>
+          <a:p>
+            <a:pPr marL="285750" indent="-285750">
+              <a:buFont typeface="Arial" panose="020B0604020202020204" pitchFamily="34" charset="0"/>
+              <a:buChar char="•"/>
+            </a:pPr>
+            <a:r>
+              <a:rPr lang="de-DE" dirty="0"/>
+              <a:t>Device mit WLAN „</a:t>
+            </a:r>
+            <a:r>
+              <a:rPr lang="de-DE" dirty="0" err="1"/>
+              <a:t>AntidustA_Control</a:t>
+            </a:r>
+            <a:r>
+              <a:rPr lang="de-DE" dirty="0"/>
+              <a:t>“ verbinden</a:t>
+            </a:r>
+          </a:p>
+          <a:p>
+            <a:pPr marL="285750" indent="-285750">
+              <a:buFont typeface="Arial" panose="020B0604020202020204" pitchFamily="34" charset="0"/>
+              <a:buChar char="•"/>
+            </a:pPr>
+            <a:r>
+              <a:rPr lang="de-DE" dirty="0"/>
+              <a:t>Passwort: </a:t>
+            </a:r>
+            <a:r>
+              <a:rPr lang="de-DE" dirty="0" err="1"/>
+              <a:t>AntidustA</a:t>
+            </a:r>
+            <a:endParaRPr lang="de-DE" dirty="0"/>
+          </a:p>
+          <a:p>
+            <a:pPr marL="285750" indent="-285750">
+              <a:buFont typeface="Arial" panose="020B0604020202020204" pitchFamily="34" charset="0"/>
+              <a:buChar char="•"/>
+            </a:pPr>
+            <a:r>
+              <a:rPr lang="de-DE" dirty="0"/>
+              <a:t>IP Adresse eingeben: 192.168.4.1</a:t>
+            </a:r>
+          </a:p>
+          <a:p>
+            <a:pPr marL="285750" indent="-285750">
+              <a:buFont typeface="Arial" panose="020B0604020202020204" pitchFamily="34" charset="0"/>
+              <a:buChar char="•"/>
+            </a:pPr>
+            <a:r>
+              <a:rPr lang="de-DE" dirty="0"/>
+              <a:t>GUI verwenden</a:t>
+            </a:r>
+          </a:p>
+          <a:p>
+            <a:pPr marL="285750" indent="-285750">
+              <a:buFont typeface="Arial" panose="020B0604020202020204" pitchFamily="34" charset="0"/>
+              <a:buChar char="•"/>
+            </a:pPr>
+            <a:endParaRPr lang="de-DE" dirty="0"/>
+          </a:p>
+          <a:p>
+            <a:endParaRPr lang="de-DE" dirty="0"/>
+          </a:p>
+        </p:txBody>
+      </p:sp>
     </p:spTree>
     <p:extLst>
       <p:ext uri="{BB962C8B-B14F-4D97-AF65-F5344CB8AC3E}">
@@ -8374,6 +8663,2539 @@
   <p:clrMapOvr>
     <a:masterClrMapping/>
   </p:clrMapOvr>
+  <p:timing>
+    <p:tnLst>
+      <p:par>
+        <p:cTn id="1" dur="indefinite" restart="never" nodeType="tmRoot">
+          <p:childTnLst>
+            <p:seq concurrent="1" nextAc="seek">
+              <p:cTn id="2" dur="indefinite" nodeType="mainSeq">
+                <p:childTnLst>
+                  <p:par>
+                    <p:cTn id="3" fill="hold">
+                      <p:stCondLst>
+                        <p:cond delay="indefinite"/>
+                      </p:stCondLst>
+                      <p:childTnLst>
+                        <p:par>
+                          <p:cTn id="4" fill="hold">
+                            <p:stCondLst>
+                              <p:cond delay="0"/>
+                            </p:stCondLst>
+                            <p:childTnLst>
+                              <p:par>
+                                <p:cTn id="5" presetID="1" presetClass="entr" presetSubtype="0" fill="hold" nodeType="clickEffect">
+                                  <p:stCondLst>
+                                    <p:cond delay="0"/>
+                                  </p:stCondLst>
+                                  <p:childTnLst>
+                                    <p:set>
+                                      <p:cBhvr>
+                                        <p:cTn id="6" dur="1" fill="hold">
+                                          <p:stCondLst>
+                                            <p:cond delay="0"/>
+                                          </p:stCondLst>
+                                        </p:cTn>
+                                        <p:tgtEl>
+                                          <p:spTgt spid="6"/>
+                                        </p:tgtEl>
+                                        <p:attrNameLst>
+                                          <p:attrName>style.visibility</p:attrName>
+                                        </p:attrNameLst>
+                                      </p:cBhvr>
+                                      <p:to>
+                                        <p:strVal val="visible"/>
+                                      </p:to>
+                                    </p:set>
+                                  </p:childTnLst>
+                                </p:cTn>
+                              </p:par>
+                            </p:childTnLst>
+                          </p:cTn>
+                        </p:par>
+                      </p:childTnLst>
+                    </p:cTn>
+                  </p:par>
+                  <p:par>
+                    <p:cTn id="7" fill="hold">
+                      <p:stCondLst>
+                        <p:cond delay="indefinite"/>
+                      </p:stCondLst>
+                      <p:childTnLst>
+                        <p:par>
+                          <p:cTn id="8" fill="hold">
+                            <p:stCondLst>
+                              <p:cond delay="0"/>
+                            </p:stCondLst>
+                            <p:childTnLst>
+                              <p:par>
+                                <p:cTn id="9" presetID="42" presetClass="entr" presetSubtype="0" fill="hold" grpId="0" nodeType="clickEffect">
+                                  <p:stCondLst>
+                                    <p:cond delay="0"/>
+                                  </p:stCondLst>
+                                  <p:childTnLst>
+                                    <p:set>
+                                      <p:cBhvr>
+                                        <p:cTn id="10" dur="1" fill="hold">
+                                          <p:stCondLst>
+                                            <p:cond delay="0"/>
+                                          </p:stCondLst>
+                                        </p:cTn>
+                                        <p:tgtEl>
+                                          <p:spTgt spid="14">
+                                            <p:txEl>
+                                              <p:pRg st="0" end="0"/>
+                                            </p:txEl>
+                                          </p:spTgt>
+                                        </p:tgtEl>
+                                        <p:attrNameLst>
+                                          <p:attrName>style.visibility</p:attrName>
+                                        </p:attrNameLst>
+                                      </p:cBhvr>
+                                      <p:to>
+                                        <p:strVal val="visible"/>
+                                      </p:to>
+                                    </p:set>
+                                    <p:animEffect transition="in" filter="fade">
+                                      <p:cBhvr>
+                                        <p:cTn id="11" dur="1000"/>
+                                        <p:tgtEl>
+                                          <p:spTgt spid="14">
+                                            <p:txEl>
+                                              <p:pRg st="0" end="0"/>
+                                            </p:txEl>
+                                          </p:spTgt>
+                                        </p:tgtEl>
+                                      </p:cBhvr>
+                                    </p:animEffect>
+                                    <p:anim calcmode="lin" valueType="num">
+                                      <p:cBhvr>
+                                        <p:cTn id="12" dur="1000" fill="hold"/>
+                                        <p:tgtEl>
+                                          <p:spTgt spid="14">
+                                            <p:txEl>
+                                              <p:pRg st="0" end="0"/>
+                                            </p:txEl>
+                                          </p:spTgt>
+                                        </p:tgtEl>
+                                        <p:attrNameLst>
+                                          <p:attrName>ppt_x</p:attrName>
+                                        </p:attrNameLst>
+                                      </p:cBhvr>
+                                      <p:tavLst>
+                                        <p:tav tm="0">
+                                          <p:val>
+                                            <p:strVal val="#ppt_x"/>
+                                          </p:val>
+                                        </p:tav>
+                                        <p:tav tm="100000">
+                                          <p:val>
+                                            <p:strVal val="#ppt_x"/>
+                                          </p:val>
+                                        </p:tav>
+                                      </p:tavLst>
+                                    </p:anim>
+                                    <p:anim calcmode="lin" valueType="num">
+                                      <p:cBhvr>
+                                        <p:cTn id="13" dur="1000" fill="hold"/>
+                                        <p:tgtEl>
+                                          <p:spTgt spid="14">
+                                            <p:txEl>
+                                              <p:pRg st="0" end="0"/>
+                                            </p:txEl>
+                                          </p:spTgt>
+                                        </p:tgtEl>
+                                        <p:attrNameLst>
+                                          <p:attrName>ppt_y</p:attrName>
+                                        </p:attrNameLst>
+                                      </p:cBhvr>
+                                      <p:tavLst>
+                                        <p:tav tm="0">
+                                          <p:val>
+                                            <p:strVal val="#ppt_y+.1"/>
+                                          </p:val>
+                                        </p:tav>
+                                        <p:tav tm="100000">
+                                          <p:val>
+                                            <p:strVal val="#ppt_y"/>
+                                          </p:val>
+                                        </p:tav>
+                                      </p:tavLst>
+                                    </p:anim>
+                                  </p:childTnLst>
+                                </p:cTn>
+                              </p:par>
+                            </p:childTnLst>
+                          </p:cTn>
+                        </p:par>
+                      </p:childTnLst>
+                    </p:cTn>
+                  </p:par>
+                  <p:par>
+                    <p:cTn id="14" fill="hold">
+                      <p:stCondLst>
+                        <p:cond delay="indefinite"/>
+                      </p:stCondLst>
+                      <p:childTnLst>
+                        <p:par>
+                          <p:cTn id="15" fill="hold">
+                            <p:stCondLst>
+                              <p:cond delay="0"/>
+                            </p:stCondLst>
+                            <p:childTnLst>
+                              <p:par>
+                                <p:cTn id="16" presetID="42" presetClass="entr" presetSubtype="0" fill="hold" grpId="0" nodeType="clickEffect">
+                                  <p:stCondLst>
+                                    <p:cond delay="0"/>
+                                  </p:stCondLst>
+                                  <p:childTnLst>
+                                    <p:set>
+                                      <p:cBhvr>
+                                        <p:cTn id="17" dur="1" fill="hold">
+                                          <p:stCondLst>
+                                            <p:cond delay="0"/>
+                                          </p:stCondLst>
+                                        </p:cTn>
+                                        <p:tgtEl>
+                                          <p:spTgt spid="14">
+                                            <p:txEl>
+                                              <p:pRg st="1" end="1"/>
+                                            </p:txEl>
+                                          </p:spTgt>
+                                        </p:tgtEl>
+                                        <p:attrNameLst>
+                                          <p:attrName>style.visibility</p:attrName>
+                                        </p:attrNameLst>
+                                      </p:cBhvr>
+                                      <p:to>
+                                        <p:strVal val="visible"/>
+                                      </p:to>
+                                    </p:set>
+                                    <p:animEffect transition="in" filter="fade">
+                                      <p:cBhvr>
+                                        <p:cTn id="18" dur="1000"/>
+                                        <p:tgtEl>
+                                          <p:spTgt spid="14">
+                                            <p:txEl>
+                                              <p:pRg st="1" end="1"/>
+                                            </p:txEl>
+                                          </p:spTgt>
+                                        </p:tgtEl>
+                                      </p:cBhvr>
+                                    </p:animEffect>
+                                    <p:anim calcmode="lin" valueType="num">
+                                      <p:cBhvr>
+                                        <p:cTn id="19" dur="1000" fill="hold"/>
+                                        <p:tgtEl>
+                                          <p:spTgt spid="14">
+                                            <p:txEl>
+                                              <p:pRg st="1" end="1"/>
+                                            </p:txEl>
+                                          </p:spTgt>
+                                        </p:tgtEl>
+                                        <p:attrNameLst>
+                                          <p:attrName>ppt_x</p:attrName>
+                                        </p:attrNameLst>
+                                      </p:cBhvr>
+                                      <p:tavLst>
+                                        <p:tav tm="0">
+                                          <p:val>
+                                            <p:strVal val="#ppt_x"/>
+                                          </p:val>
+                                        </p:tav>
+                                        <p:tav tm="100000">
+                                          <p:val>
+                                            <p:strVal val="#ppt_x"/>
+                                          </p:val>
+                                        </p:tav>
+                                      </p:tavLst>
+                                    </p:anim>
+                                    <p:anim calcmode="lin" valueType="num">
+                                      <p:cBhvr>
+                                        <p:cTn id="20" dur="1000" fill="hold"/>
+                                        <p:tgtEl>
+                                          <p:spTgt spid="14">
+                                            <p:txEl>
+                                              <p:pRg st="1" end="1"/>
+                                            </p:txEl>
+                                          </p:spTgt>
+                                        </p:tgtEl>
+                                        <p:attrNameLst>
+                                          <p:attrName>ppt_y</p:attrName>
+                                        </p:attrNameLst>
+                                      </p:cBhvr>
+                                      <p:tavLst>
+                                        <p:tav tm="0">
+                                          <p:val>
+                                            <p:strVal val="#ppt_y+.1"/>
+                                          </p:val>
+                                        </p:tav>
+                                        <p:tav tm="100000">
+                                          <p:val>
+                                            <p:strVal val="#ppt_y"/>
+                                          </p:val>
+                                        </p:tav>
+                                      </p:tavLst>
+                                    </p:anim>
+                                  </p:childTnLst>
+                                </p:cTn>
+                              </p:par>
+                            </p:childTnLst>
+                          </p:cTn>
+                        </p:par>
+                      </p:childTnLst>
+                    </p:cTn>
+                  </p:par>
+                  <p:par>
+                    <p:cTn id="21" fill="hold">
+                      <p:stCondLst>
+                        <p:cond delay="indefinite"/>
+                      </p:stCondLst>
+                      <p:childTnLst>
+                        <p:par>
+                          <p:cTn id="22" fill="hold">
+                            <p:stCondLst>
+                              <p:cond delay="0"/>
+                            </p:stCondLst>
+                            <p:childTnLst>
+                              <p:par>
+                                <p:cTn id="23" presetID="42" presetClass="entr" presetSubtype="0" fill="hold" grpId="0" nodeType="clickEffect">
+                                  <p:stCondLst>
+                                    <p:cond delay="0"/>
+                                  </p:stCondLst>
+                                  <p:childTnLst>
+                                    <p:set>
+                                      <p:cBhvr>
+                                        <p:cTn id="24" dur="1" fill="hold">
+                                          <p:stCondLst>
+                                            <p:cond delay="0"/>
+                                          </p:stCondLst>
+                                        </p:cTn>
+                                        <p:tgtEl>
+                                          <p:spTgt spid="14">
+                                            <p:txEl>
+                                              <p:pRg st="2" end="2"/>
+                                            </p:txEl>
+                                          </p:spTgt>
+                                        </p:tgtEl>
+                                        <p:attrNameLst>
+                                          <p:attrName>style.visibility</p:attrName>
+                                        </p:attrNameLst>
+                                      </p:cBhvr>
+                                      <p:to>
+                                        <p:strVal val="visible"/>
+                                      </p:to>
+                                    </p:set>
+                                    <p:animEffect transition="in" filter="fade">
+                                      <p:cBhvr>
+                                        <p:cTn id="25" dur="1000"/>
+                                        <p:tgtEl>
+                                          <p:spTgt spid="14">
+                                            <p:txEl>
+                                              <p:pRg st="2" end="2"/>
+                                            </p:txEl>
+                                          </p:spTgt>
+                                        </p:tgtEl>
+                                      </p:cBhvr>
+                                    </p:animEffect>
+                                    <p:anim calcmode="lin" valueType="num">
+                                      <p:cBhvr>
+                                        <p:cTn id="26" dur="1000" fill="hold"/>
+                                        <p:tgtEl>
+                                          <p:spTgt spid="14">
+                                            <p:txEl>
+                                              <p:pRg st="2" end="2"/>
+                                            </p:txEl>
+                                          </p:spTgt>
+                                        </p:tgtEl>
+                                        <p:attrNameLst>
+                                          <p:attrName>ppt_x</p:attrName>
+                                        </p:attrNameLst>
+                                      </p:cBhvr>
+                                      <p:tavLst>
+                                        <p:tav tm="0">
+                                          <p:val>
+                                            <p:strVal val="#ppt_x"/>
+                                          </p:val>
+                                        </p:tav>
+                                        <p:tav tm="100000">
+                                          <p:val>
+                                            <p:strVal val="#ppt_x"/>
+                                          </p:val>
+                                        </p:tav>
+                                      </p:tavLst>
+                                    </p:anim>
+                                    <p:anim calcmode="lin" valueType="num">
+                                      <p:cBhvr>
+                                        <p:cTn id="27" dur="1000" fill="hold"/>
+                                        <p:tgtEl>
+                                          <p:spTgt spid="14">
+                                            <p:txEl>
+                                              <p:pRg st="2" end="2"/>
+                                            </p:txEl>
+                                          </p:spTgt>
+                                        </p:tgtEl>
+                                        <p:attrNameLst>
+                                          <p:attrName>ppt_y</p:attrName>
+                                        </p:attrNameLst>
+                                      </p:cBhvr>
+                                      <p:tavLst>
+                                        <p:tav tm="0">
+                                          <p:val>
+                                            <p:strVal val="#ppt_y+.1"/>
+                                          </p:val>
+                                        </p:tav>
+                                        <p:tav tm="100000">
+                                          <p:val>
+                                            <p:strVal val="#ppt_y"/>
+                                          </p:val>
+                                        </p:tav>
+                                      </p:tavLst>
+                                    </p:anim>
+                                  </p:childTnLst>
+                                </p:cTn>
+                              </p:par>
+                            </p:childTnLst>
+                          </p:cTn>
+                        </p:par>
+                      </p:childTnLst>
+                    </p:cTn>
+                  </p:par>
+                  <p:par>
+                    <p:cTn id="28" fill="hold">
+                      <p:stCondLst>
+                        <p:cond delay="indefinite"/>
+                      </p:stCondLst>
+                      <p:childTnLst>
+                        <p:par>
+                          <p:cTn id="29" fill="hold">
+                            <p:stCondLst>
+                              <p:cond delay="0"/>
+                            </p:stCondLst>
+                            <p:childTnLst>
+                              <p:par>
+                                <p:cTn id="30" presetID="42" presetClass="entr" presetSubtype="0" fill="hold" nodeType="clickEffect">
+                                  <p:stCondLst>
+                                    <p:cond delay="0"/>
+                                  </p:stCondLst>
+                                  <p:childTnLst>
+                                    <p:set>
+                                      <p:cBhvr>
+                                        <p:cTn id="31" dur="1" fill="hold">
+                                          <p:stCondLst>
+                                            <p:cond delay="0"/>
+                                          </p:stCondLst>
+                                        </p:cTn>
+                                        <p:tgtEl>
+                                          <p:spTgt spid="14">
+                                            <p:txEl>
+                                              <p:pRg st="3" end="3"/>
+                                            </p:txEl>
+                                          </p:spTgt>
+                                        </p:tgtEl>
+                                        <p:attrNameLst>
+                                          <p:attrName>style.visibility</p:attrName>
+                                        </p:attrNameLst>
+                                      </p:cBhvr>
+                                      <p:to>
+                                        <p:strVal val="visible"/>
+                                      </p:to>
+                                    </p:set>
+                                    <p:animEffect transition="in" filter="fade">
+                                      <p:cBhvr>
+                                        <p:cTn id="32" dur="1000"/>
+                                        <p:tgtEl>
+                                          <p:spTgt spid="14">
+                                            <p:txEl>
+                                              <p:pRg st="3" end="3"/>
+                                            </p:txEl>
+                                          </p:spTgt>
+                                        </p:tgtEl>
+                                      </p:cBhvr>
+                                    </p:animEffect>
+                                    <p:anim calcmode="lin" valueType="num">
+                                      <p:cBhvr>
+                                        <p:cTn id="33" dur="1000" fill="hold"/>
+                                        <p:tgtEl>
+                                          <p:spTgt spid="14">
+                                            <p:txEl>
+                                              <p:pRg st="3" end="3"/>
+                                            </p:txEl>
+                                          </p:spTgt>
+                                        </p:tgtEl>
+                                        <p:attrNameLst>
+                                          <p:attrName>ppt_x</p:attrName>
+                                        </p:attrNameLst>
+                                      </p:cBhvr>
+                                      <p:tavLst>
+                                        <p:tav tm="0">
+                                          <p:val>
+                                            <p:strVal val="#ppt_x"/>
+                                          </p:val>
+                                        </p:tav>
+                                        <p:tav tm="100000">
+                                          <p:val>
+                                            <p:strVal val="#ppt_x"/>
+                                          </p:val>
+                                        </p:tav>
+                                      </p:tavLst>
+                                    </p:anim>
+                                    <p:anim calcmode="lin" valueType="num">
+                                      <p:cBhvr>
+                                        <p:cTn id="34" dur="1000" fill="hold"/>
+                                        <p:tgtEl>
+                                          <p:spTgt spid="14">
+                                            <p:txEl>
+                                              <p:pRg st="3" end="3"/>
+                                            </p:txEl>
+                                          </p:spTgt>
+                                        </p:tgtEl>
+                                        <p:attrNameLst>
+                                          <p:attrName>ppt_y</p:attrName>
+                                        </p:attrNameLst>
+                                      </p:cBhvr>
+                                      <p:tavLst>
+                                        <p:tav tm="0">
+                                          <p:val>
+                                            <p:strVal val="#ppt_y+.1"/>
+                                          </p:val>
+                                        </p:tav>
+                                        <p:tav tm="100000">
+                                          <p:val>
+                                            <p:strVal val="#ppt_y"/>
+                                          </p:val>
+                                        </p:tav>
+                                      </p:tavLst>
+                                    </p:anim>
+                                  </p:childTnLst>
+                                </p:cTn>
+                              </p:par>
+                            </p:childTnLst>
+                          </p:cTn>
+                        </p:par>
+                      </p:childTnLst>
+                    </p:cTn>
+                  </p:par>
+                  <p:par>
+                    <p:cTn id="35" fill="hold">
+                      <p:stCondLst>
+                        <p:cond delay="indefinite"/>
+                      </p:stCondLst>
+                      <p:childTnLst>
+                        <p:par>
+                          <p:cTn id="36" fill="hold">
+                            <p:stCondLst>
+                              <p:cond delay="0"/>
+                            </p:stCondLst>
+                            <p:childTnLst>
+                              <p:par>
+                                <p:cTn id="37" presetID="42" presetClass="entr" presetSubtype="0" fill="hold" nodeType="clickEffect">
+                                  <p:stCondLst>
+                                    <p:cond delay="0"/>
+                                  </p:stCondLst>
+                                  <p:childTnLst>
+                                    <p:set>
+                                      <p:cBhvr>
+                                        <p:cTn id="38" dur="1" fill="hold">
+                                          <p:stCondLst>
+                                            <p:cond delay="0"/>
+                                          </p:stCondLst>
+                                        </p:cTn>
+                                        <p:tgtEl>
+                                          <p:spTgt spid="14">
+                                            <p:txEl>
+                                              <p:pRg st="4" end="4"/>
+                                            </p:txEl>
+                                          </p:spTgt>
+                                        </p:tgtEl>
+                                        <p:attrNameLst>
+                                          <p:attrName>style.visibility</p:attrName>
+                                        </p:attrNameLst>
+                                      </p:cBhvr>
+                                      <p:to>
+                                        <p:strVal val="visible"/>
+                                      </p:to>
+                                    </p:set>
+                                    <p:animEffect transition="in" filter="fade">
+                                      <p:cBhvr>
+                                        <p:cTn id="39" dur="1000"/>
+                                        <p:tgtEl>
+                                          <p:spTgt spid="14">
+                                            <p:txEl>
+                                              <p:pRg st="4" end="4"/>
+                                            </p:txEl>
+                                          </p:spTgt>
+                                        </p:tgtEl>
+                                      </p:cBhvr>
+                                    </p:animEffect>
+                                    <p:anim calcmode="lin" valueType="num">
+                                      <p:cBhvr>
+                                        <p:cTn id="40" dur="1000" fill="hold"/>
+                                        <p:tgtEl>
+                                          <p:spTgt spid="14">
+                                            <p:txEl>
+                                              <p:pRg st="4" end="4"/>
+                                            </p:txEl>
+                                          </p:spTgt>
+                                        </p:tgtEl>
+                                        <p:attrNameLst>
+                                          <p:attrName>ppt_x</p:attrName>
+                                        </p:attrNameLst>
+                                      </p:cBhvr>
+                                      <p:tavLst>
+                                        <p:tav tm="0">
+                                          <p:val>
+                                            <p:strVal val="#ppt_x"/>
+                                          </p:val>
+                                        </p:tav>
+                                        <p:tav tm="100000">
+                                          <p:val>
+                                            <p:strVal val="#ppt_x"/>
+                                          </p:val>
+                                        </p:tav>
+                                      </p:tavLst>
+                                    </p:anim>
+                                    <p:anim calcmode="lin" valueType="num">
+                                      <p:cBhvr>
+                                        <p:cTn id="41" dur="1000" fill="hold"/>
+                                        <p:tgtEl>
+                                          <p:spTgt spid="14">
+                                            <p:txEl>
+                                              <p:pRg st="4" end="4"/>
+                                            </p:txEl>
+                                          </p:spTgt>
+                                        </p:tgtEl>
+                                        <p:attrNameLst>
+                                          <p:attrName>ppt_y</p:attrName>
+                                        </p:attrNameLst>
+                                      </p:cBhvr>
+                                      <p:tavLst>
+                                        <p:tav tm="0">
+                                          <p:val>
+                                            <p:strVal val="#ppt_y+.1"/>
+                                          </p:val>
+                                        </p:tav>
+                                        <p:tav tm="100000">
+                                          <p:val>
+                                            <p:strVal val="#ppt_y"/>
+                                          </p:val>
+                                        </p:tav>
+                                      </p:tavLst>
+                                    </p:anim>
+                                  </p:childTnLst>
+                                </p:cTn>
+                              </p:par>
+                            </p:childTnLst>
+                          </p:cTn>
+                        </p:par>
+                      </p:childTnLst>
+                    </p:cTn>
+                  </p:par>
+                  <p:par>
+                    <p:cTn id="42" fill="hold">
+                      <p:stCondLst>
+                        <p:cond delay="indefinite"/>
+                      </p:stCondLst>
+                      <p:childTnLst>
+                        <p:par>
+                          <p:cTn id="43" fill="hold">
+                            <p:stCondLst>
+                              <p:cond delay="0"/>
+                            </p:stCondLst>
+                            <p:childTnLst>
+                              <p:par>
+                                <p:cTn id="44" presetID="42" presetClass="entr" presetSubtype="0" fill="hold" nodeType="clickEffect">
+                                  <p:stCondLst>
+                                    <p:cond delay="0"/>
+                                  </p:stCondLst>
+                                  <p:childTnLst>
+                                    <p:set>
+                                      <p:cBhvr>
+                                        <p:cTn id="45" dur="1" fill="hold">
+                                          <p:stCondLst>
+                                            <p:cond delay="0"/>
+                                          </p:stCondLst>
+                                        </p:cTn>
+                                        <p:tgtEl>
+                                          <p:spTgt spid="14">
+                                            <p:txEl>
+                                              <p:pRg st="5" end="5"/>
+                                            </p:txEl>
+                                          </p:spTgt>
+                                        </p:tgtEl>
+                                        <p:attrNameLst>
+                                          <p:attrName>style.visibility</p:attrName>
+                                        </p:attrNameLst>
+                                      </p:cBhvr>
+                                      <p:to>
+                                        <p:strVal val="visible"/>
+                                      </p:to>
+                                    </p:set>
+                                    <p:animEffect transition="in" filter="fade">
+                                      <p:cBhvr>
+                                        <p:cTn id="46" dur="1000"/>
+                                        <p:tgtEl>
+                                          <p:spTgt spid="14">
+                                            <p:txEl>
+                                              <p:pRg st="5" end="5"/>
+                                            </p:txEl>
+                                          </p:spTgt>
+                                        </p:tgtEl>
+                                      </p:cBhvr>
+                                    </p:animEffect>
+                                    <p:anim calcmode="lin" valueType="num">
+                                      <p:cBhvr>
+                                        <p:cTn id="47" dur="1000" fill="hold"/>
+                                        <p:tgtEl>
+                                          <p:spTgt spid="14">
+                                            <p:txEl>
+                                              <p:pRg st="5" end="5"/>
+                                            </p:txEl>
+                                          </p:spTgt>
+                                        </p:tgtEl>
+                                        <p:attrNameLst>
+                                          <p:attrName>ppt_x</p:attrName>
+                                        </p:attrNameLst>
+                                      </p:cBhvr>
+                                      <p:tavLst>
+                                        <p:tav tm="0">
+                                          <p:val>
+                                            <p:strVal val="#ppt_x"/>
+                                          </p:val>
+                                        </p:tav>
+                                        <p:tav tm="100000">
+                                          <p:val>
+                                            <p:strVal val="#ppt_x"/>
+                                          </p:val>
+                                        </p:tav>
+                                      </p:tavLst>
+                                    </p:anim>
+                                    <p:anim calcmode="lin" valueType="num">
+                                      <p:cBhvr>
+                                        <p:cTn id="48" dur="1000" fill="hold"/>
+                                        <p:tgtEl>
+                                          <p:spTgt spid="14">
+                                            <p:txEl>
+                                              <p:pRg st="5" end="5"/>
+                                            </p:txEl>
+                                          </p:spTgt>
+                                        </p:tgtEl>
+                                        <p:attrNameLst>
+                                          <p:attrName>ppt_y</p:attrName>
+                                        </p:attrNameLst>
+                                      </p:cBhvr>
+                                      <p:tavLst>
+                                        <p:tav tm="0">
+                                          <p:val>
+                                            <p:strVal val="#ppt_y+.1"/>
+                                          </p:val>
+                                        </p:tav>
+                                        <p:tav tm="100000">
+                                          <p:val>
+                                            <p:strVal val="#ppt_y"/>
+                                          </p:val>
+                                        </p:tav>
+                                      </p:tavLst>
+                                    </p:anim>
+                                  </p:childTnLst>
+                                </p:cTn>
+                              </p:par>
+                            </p:childTnLst>
+                          </p:cTn>
+                        </p:par>
+                      </p:childTnLst>
+                    </p:cTn>
+                  </p:par>
+                </p:childTnLst>
+              </p:cTn>
+              <p:prevCondLst>
+                <p:cond evt="onPrev" delay="0">
+                  <p:tgtEl>
+                    <p:sldTgt/>
+                  </p:tgtEl>
+                </p:cond>
+              </p:prevCondLst>
+              <p:nextCondLst>
+                <p:cond evt="onNext" delay="0">
+                  <p:tgtEl>
+                    <p:sldTgt/>
+                  </p:tgtEl>
+                </p:cond>
+              </p:nextCondLst>
+            </p:seq>
+          </p:childTnLst>
+        </p:cTn>
+      </p:par>
+    </p:tnLst>
+    <p:bldLst>
+      <p:bldP spid="14" grpId="0" uiExpand="1" build="p"/>
+    </p:bldLst>
+  </p:timing>
+</p:sld>
+</file>
+
+<file path=ppt/slides/slide7.xml><?xml version="1.0" encoding="utf-8"?>
+<p:sld xmlns:a="http://schemas.openxmlformats.org/drawingml/2006/main" xmlns:r="http://schemas.openxmlformats.org/officeDocument/2006/relationships" xmlns:p="http://schemas.openxmlformats.org/presentationml/2006/main">
+  <p:cSld>
+    <p:spTree>
+      <p:nvGrpSpPr>
+        <p:cNvPr id="1" name=""/>
+        <p:cNvGrpSpPr/>
+        <p:nvPr/>
+      </p:nvGrpSpPr>
+      <p:grpSpPr>
+        <a:xfrm>
+          <a:off x="0" y="0"/>
+          <a:ext cx="0" cy="0"/>
+          <a:chOff x="0" y="0"/>
+          <a:chExt cx="0" cy="0"/>
+        </a:xfrm>
+      </p:grpSpPr>
+      <p:sp>
+        <p:nvSpPr>
+          <p:cNvPr id="2" name="Textplatzhalter 1">
+            <a:extLst>
+              <a:ext uri="{FF2B5EF4-FFF2-40B4-BE49-F238E27FC236}">
+                <a16:creationId xmlns:a16="http://schemas.microsoft.com/office/drawing/2014/main" id="{15AB8BCD-1309-47E4-A00F-9CD195A4CD36}"/>
+              </a:ext>
+            </a:extLst>
+          </p:cNvPr>
+          <p:cNvSpPr>
+            <a:spLocks noGrp="1"/>
+          </p:cNvSpPr>
+          <p:nvPr>
+            <p:ph type="body" sz="quarter" idx="16"/>
+          </p:nvPr>
+        </p:nvSpPr>
+        <p:spPr/>
+        <p:txBody>
+          <a:bodyPr/>
+          <a:lstStyle/>
+          <a:p>
+            <a:r>
+              <a:rPr lang="de-DE" dirty="0"/>
+              <a:t>Manueller gui Modus</a:t>
+            </a:r>
+          </a:p>
+        </p:txBody>
+      </p:sp>
+      <p:sp>
+        <p:nvSpPr>
+          <p:cNvPr id="3" name="Textplatzhalter 2">
+            <a:extLst>
+              <a:ext uri="{FF2B5EF4-FFF2-40B4-BE49-F238E27FC236}">
+                <a16:creationId xmlns:a16="http://schemas.microsoft.com/office/drawing/2014/main" id="{444A8B1F-F026-44A6-A447-08172AEF3099}"/>
+              </a:ext>
+            </a:extLst>
+          </p:cNvPr>
+          <p:cNvSpPr>
+            <a:spLocks noGrp="1"/>
+          </p:cNvSpPr>
+          <p:nvPr>
+            <p:ph type="body" sz="quarter" idx="20"/>
+          </p:nvPr>
+        </p:nvSpPr>
+        <p:spPr>
+          <a:xfrm>
+            <a:off x="8117516" y="1042135"/>
+            <a:ext cx="2973168" cy="4194175"/>
+          </a:xfrm>
+        </p:spPr>
+        <p:txBody>
+          <a:bodyPr/>
+          <a:lstStyle/>
+          <a:p>
+            <a:r>
+              <a:rPr lang="de-DE" dirty="0"/>
+              <a:t>Funktionalität:</a:t>
+            </a:r>
+          </a:p>
+          <a:p>
+            <a:pPr marL="285750" indent="-285750">
+              <a:buFont typeface="Arial" panose="020B0604020202020204" pitchFamily="34" charset="0"/>
+              <a:buChar char="•"/>
+            </a:pPr>
+            <a:r>
+              <a:rPr lang="de-DE" dirty="0"/>
+              <a:t>Hoch/Runter Fahrt</a:t>
+            </a:r>
+          </a:p>
+          <a:p>
+            <a:pPr marL="285750" indent="-285750">
+              <a:buFont typeface="Arial" panose="020B0604020202020204" pitchFamily="34" charset="0"/>
+              <a:buChar char="•"/>
+            </a:pPr>
+            <a:r>
+              <a:rPr lang="de-DE" dirty="0"/>
+              <a:t>Rechts/Links Fahrt</a:t>
+            </a:r>
+          </a:p>
+          <a:p>
+            <a:pPr marL="285750" indent="-285750">
+              <a:buFont typeface="Arial" panose="020B0604020202020204" pitchFamily="34" charset="0"/>
+              <a:buChar char="•"/>
+            </a:pPr>
+            <a:r>
+              <a:rPr lang="de-DE" dirty="0"/>
+              <a:t>Reinigung</a:t>
+            </a:r>
+          </a:p>
+          <a:p>
+            <a:pPr marL="285750" indent="-285750">
+              <a:buFont typeface="Arial" panose="020B0604020202020204" pitchFamily="34" charset="0"/>
+              <a:buChar char="•"/>
+            </a:pPr>
+            <a:r>
+              <a:rPr lang="de-DE" dirty="0"/>
+              <a:t>Immer nur </a:t>
+            </a:r>
+            <a:r>
+              <a:rPr lang="de-DE" b="1" dirty="0"/>
+              <a:t>EINE</a:t>
+            </a:r>
+            <a:r>
+              <a:rPr lang="de-DE" dirty="0"/>
+              <a:t> Funktionalität zeitgleich verwenden</a:t>
+            </a:r>
+          </a:p>
+          <a:p>
+            <a:endParaRPr lang="de-DE" dirty="0"/>
+          </a:p>
+        </p:txBody>
+      </p:sp>
+      <p:sp>
+        <p:nvSpPr>
+          <p:cNvPr id="4" name="Foliennummernplatzhalter 3">
+            <a:extLst>
+              <a:ext uri="{FF2B5EF4-FFF2-40B4-BE49-F238E27FC236}">
+                <a16:creationId xmlns:a16="http://schemas.microsoft.com/office/drawing/2014/main" id="{70E55811-C355-46B3-B5DC-AFDF8C39BC54}"/>
+              </a:ext>
+            </a:extLst>
+          </p:cNvPr>
+          <p:cNvSpPr>
+            <a:spLocks noGrp="1"/>
+          </p:cNvSpPr>
+          <p:nvPr>
+            <p:ph type="sldNum" sz="quarter" idx="21"/>
+          </p:nvPr>
+        </p:nvSpPr>
+        <p:spPr/>
+        <p:txBody>
+          <a:bodyPr/>
+          <a:lstStyle/>
+          <a:p>
+            <a:fld id="{BD63572F-0786-4616-8901-689DCAD05BEF}" type="slidenum">
+              <a:rPr lang="de-DE" altLang="de-DE" smtClean="0"/>
+              <a:pPr/>
+              <a:t>6</a:t>
+            </a:fld>
+            <a:endParaRPr lang="de-DE" altLang="de-DE" dirty="0"/>
+          </a:p>
+        </p:txBody>
+      </p:sp>
+      <p:pic>
+        <p:nvPicPr>
+          <p:cNvPr id="6" name="Grafik 5">
+            <a:extLst>
+              <a:ext uri="{FF2B5EF4-FFF2-40B4-BE49-F238E27FC236}">
+                <a16:creationId xmlns:a16="http://schemas.microsoft.com/office/drawing/2014/main" id="{5E094924-4B7F-423D-86F5-9C831E13DB39}"/>
+              </a:ext>
+            </a:extLst>
+          </p:cNvPr>
+          <p:cNvPicPr>
+            <a:picLocks noChangeAspect="1"/>
+          </p:cNvPicPr>
+          <p:nvPr/>
+        </p:nvPicPr>
+        <p:blipFill>
+          <a:blip r:embed="rId2"/>
+          <a:stretch>
+            <a:fillRect/>
+          </a:stretch>
+        </p:blipFill>
+        <p:spPr>
+          <a:xfrm>
+            <a:off x="620182" y="615586"/>
+            <a:ext cx="7028198" cy="3801600"/>
+          </a:xfrm>
+          <a:prstGeom prst="rect">
+            <a:avLst/>
+          </a:prstGeom>
+          <a:ln>
+            <a:solidFill>
+              <a:schemeClr val="tx1"/>
+            </a:solidFill>
+          </a:ln>
+        </p:spPr>
+      </p:pic>
+    </p:spTree>
+    <p:extLst>
+      <p:ext uri="{BB962C8B-B14F-4D97-AF65-F5344CB8AC3E}">
+        <p14:creationId xmlns:p14="http://schemas.microsoft.com/office/powerpoint/2010/main" val="4216369047"/>
+      </p:ext>
+    </p:extLst>
+  </p:cSld>
+  <p:clrMapOvr>
+    <a:masterClrMapping/>
+  </p:clrMapOvr>
+  <p:timing>
+    <p:tnLst>
+      <p:par>
+        <p:cTn id="1" dur="indefinite" restart="never" nodeType="tmRoot">
+          <p:childTnLst>
+            <p:seq concurrent="1" nextAc="seek">
+              <p:cTn id="2" dur="indefinite" nodeType="mainSeq">
+                <p:childTnLst>
+                  <p:par>
+                    <p:cTn id="3" fill="hold">
+                      <p:stCondLst>
+                        <p:cond delay="indefinite"/>
+                      </p:stCondLst>
+                      <p:childTnLst>
+                        <p:par>
+                          <p:cTn id="4" fill="hold">
+                            <p:stCondLst>
+                              <p:cond delay="0"/>
+                            </p:stCondLst>
+                            <p:childTnLst>
+                              <p:par>
+                                <p:cTn id="5" presetID="42" presetClass="entr" presetSubtype="0" fill="hold" grpId="0" nodeType="clickEffect">
+                                  <p:stCondLst>
+                                    <p:cond delay="0"/>
+                                  </p:stCondLst>
+                                  <p:childTnLst>
+                                    <p:set>
+                                      <p:cBhvr>
+                                        <p:cTn id="6" dur="1" fill="hold">
+                                          <p:stCondLst>
+                                            <p:cond delay="0"/>
+                                          </p:stCondLst>
+                                        </p:cTn>
+                                        <p:tgtEl>
+                                          <p:spTgt spid="3">
+                                            <p:txEl>
+                                              <p:pRg st="0" end="0"/>
+                                            </p:txEl>
+                                          </p:spTgt>
+                                        </p:tgtEl>
+                                        <p:attrNameLst>
+                                          <p:attrName>style.visibility</p:attrName>
+                                        </p:attrNameLst>
+                                      </p:cBhvr>
+                                      <p:to>
+                                        <p:strVal val="visible"/>
+                                      </p:to>
+                                    </p:set>
+                                    <p:animEffect transition="in" filter="fade">
+                                      <p:cBhvr>
+                                        <p:cTn id="7" dur="1000"/>
+                                        <p:tgtEl>
+                                          <p:spTgt spid="3">
+                                            <p:txEl>
+                                              <p:pRg st="0" end="0"/>
+                                            </p:txEl>
+                                          </p:spTgt>
+                                        </p:tgtEl>
+                                      </p:cBhvr>
+                                    </p:animEffect>
+                                    <p:anim calcmode="lin" valueType="num">
+                                      <p:cBhvr>
+                                        <p:cTn id="8" dur="1000" fill="hold"/>
+                                        <p:tgtEl>
+                                          <p:spTgt spid="3">
+                                            <p:txEl>
+                                              <p:pRg st="0" end="0"/>
+                                            </p:txEl>
+                                          </p:spTgt>
+                                        </p:tgtEl>
+                                        <p:attrNameLst>
+                                          <p:attrName>ppt_x</p:attrName>
+                                        </p:attrNameLst>
+                                      </p:cBhvr>
+                                      <p:tavLst>
+                                        <p:tav tm="0">
+                                          <p:val>
+                                            <p:strVal val="#ppt_x"/>
+                                          </p:val>
+                                        </p:tav>
+                                        <p:tav tm="100000">
+                                          <p:val>
+                                            <p:strVal val="#ppt_x"/>
+                                          </p:val>
+                                        </p:tav>
+                                      </p:tavLst>
+                                    </p:anim>
+                                    <p:anim calcmode="lin" valueType="num">
+                                      <p:cBhvr>
+                                        <p:cTn id="9" dur="1000" fill="hold"/>
+                                        <p:tgtEl>
+                                          <p:spTgt spid="3">
+                                            <p:txEl>
+                                              <p:pRg st="0" end="0"/>
+                                            </p:txEl>
+                                          </p:spTgt>
+                                        </p:tgtEl>
+                                        <p:attrNameLst>
+                                          <p:attrName>ppt_y</p:attrName>
+                                        </p:attrNameLst>
+                                      </p:cBhvr>
+                                      <p:tavLst>
+                                        <p:tav tm="0">
+                                          <p:val>
+                                            <p:strVal val="#ppt_y+.1"/>
+                                          </p:val>
+                                        </p:tav>
+                                        <p:tav tm="100000">
+                                          <p:val>
+                                            <p:strVal val="#ppt_y"/>
+                                          </p:val>
+                                        </p:tav>
+                                      </p:tavLst>
+                                    </p:anim>
+                                  </p:childTnLst>
+                                </p:cTn>
+                              </p:par>
+                            </p:childTnLst>
+                          </p:cTn>
+                        </p:par>
+                      </p:childTnLst>
+                    </p:cTn>
+                  </p:par>
+                  <p:par>
+                    <p:cTn id="10" fill="hold">
+                      <p:stCondLst>
+                        <p:cond delay="indefinite"/>
+                      </p:stCondLst>
+                      <p:childTnLst>
+                        <p:par>
+                          <p:cTn id="11" fill="hold">
+                            <p:stCondLst>
+                              <p:cond delay="0"/>
+                            </p:stCondLst>
+                            <p:childTnLst>
+                              <p:par>
+                                <p:cTn id="12" presetID="42" presetClass="entr" presetSubtype="0" fill="hold" grpId="0" nodeType="clickEffect">
+                                  <p:stCondLst>
+                                    <p:cond delay="0"/>
+                                  </p:stCondLst>
+                                  <p:childTnLst>
+                                    <p:set>
+                                      <p:cBhvr>
+                                        <p:cTn id="13" dur="1" fill="hold">
+                                          <p:stCondLst>
+                                            <p:cond delay="0"/>
+                                          </p:stCondLst>
+                                        </p:cTn>
+                                        <p:tgtEl>
+                                          <p:spTgt spid="3">
+                                            <p:txEl>
+                                              <p:pRg st="1" end="1"/>
+                                            </p:txEl>
+                                          </p:spTgt>
+                                        </p:tgtEl>
+                                        <p:attrNameLst>
+                                          <p:attrName>style.visibility</p:attrName>
+                                        </p:attrNameLst>
+                                      </p:cBhvr>
+                                      <p:to>
+                                        <p:strVal val="visible"/>
+                                      </p:to>
+                                    </p:set>
+                                    <p:animEffect transition="in" filter="fade">
+                                      <p:cBhvr>
+                                        <p:cTn id="14" dur="1000"/>
+                                        <p:tgtEl>
+                                          <p:spTgt spid="3">
+                                            <p:txEl>
+                                              <p:pRg st="1" end="1"/>
+                                            </p:txEl>
+                                          </p:spTgt>
+                                        </p:tgtEl>
+                                      </p:cBhvr>
+                                    </p:animEffect>
+                                    <p:anim calcmode="lin" valueType="num">
+                                      <p:cBhvr>
+                                        <p:cTn id="15" dur="1000" fill="hold"/>
+                                        <p:tgtEl>
+                                          <p:spTgt spid="3">
+                                            <p:txEl>
+                                              <p:pRg st="1" end="1"/>
+                                            </p:txEl>
+                                          </p:spTgt>
+                                        </p:tgtEl>
+                                        <p:attrNameLst>
+                                          <p:attrName>ppt_x</p:attrName>
+                                        </p:attrNameLst>
+                                      </p:cBhvr>
+                                      <p:tavLst>
+                                        <p:tav tm="0">
+                                          <p:val>
+                                            <p:strVal val="#ppt_x"/>
+                                          </p:val>
+                                        </p:tav>
+                                        <p:tav tm="100000">
+                                          <p:val>
+                                            <p:strVal val="#ppt_x"/>
+                                          </p:val>
+                                        </p:tav>
+                                      </p:tavLst>
+                                    </p:anim>
+                                    <p:anim calcmode="lin" valueType="num">
+                                      <p:cBhvr>
+                                        <p:cTn id="16" dur="1000" fill="hold"/>
+                                        <p:tgtEl>
+                                          <p:spTgt spid="3">
+                                            <p:txEl>
+                                              <p:pRg st="1" end="1"/>
+                                            </p:txEl>
+                                          </p:spTgt>
+                                        </p:tgtEl>
+                                        <p:attrNameLst>
+                                          <p:attrName>ppt_y</p:attrName>
+                                        </p:attrNameLst>
+                                      </p:cBhvr>
+                                      <p:tavLst>
+                                        <p:tav tm="0">
+                                          <p:val>
+                                            <p:strVal val="#ppt_y+.1"/>
+                                          </p:val>
+                                        </p:tav>
+                                        <p:tav tm="100000">
+                                          <p:val>
+                                            <p:strVal val="#ppt_y"/>
+                                          </p:val>
+                                        </p:tav>
+                                      </p:tavLst>
+                                    </p:anim>
+                                  </p:childTnLst>
+                                </p:cTn>
+                              </p:par>
+                            </p:childTnLst>
+                          </p:cTn>
+                        </p:par>
+                      </p:childTnLst>
+                    </p:cTn>
+                  </p:par>
+                  <p:par>
+                    <p:cTn id="17" fill="hold">
+                      <p:stCondLst>
+                        <p:cond delay="indefinite"/>
+                      </p:stCondLst>
+                      <p:childTnLst>
+                        <p:par>
+                          <p:cTn id="18" fill="hold">
+                            <p:stCondLst>
+                              <p:cond delay="0"/>
+                            </p:stCondLst>
+                            <p:childTnLst>
+                              <p:par>
+                                <p:cTn id="19" presetID="42" presetClass="entr" presetSubtype="0" fill="hold" grpId="0" nodeType="clickEffect">
+                                  <p:stCondLst>
+                                    <p:cond delay="0"/>
+                                  </p:stCondLst>
+                                  <p:childTnLst>
+                                    <p:set>
+                                      <p:cBhvr>
+                                        <p:cTn id="20" dur="1" fill="hold">
+                                          <p:stCondLst>
+                                            <p:cond delay="0"/>
+                                          </p:stCondLst>
+                                        </p:cTn>
+                                        <p:tgtEl>
+                                          <p:spTgt spid="3">
+                                            <p:txEl>
+                                              <p:pRg st="2" end="2"/>
+                                            </p:txEl>
+                                          </p:spTgt>
+                                        </p:tgtEl>
+                                        <p:attrNameLst>
+                                          <p:attrName>style.visibility</p:attrName>
+                                        </p:attrNameLst>
+                                      </p:cBhvr>
+                                      <p:to>
+                                        <p:strVal val="visible"/>
+                                      </p:to>
+                                    </p:set>
+                                    <p:animEffect transition="in" filter="fade">
+                                      <p:cBhvr>
+                                        <p:cTn id="21" dur="1000"/>
+                                        <p:tgtEl>
+                                          <p:spTgt spid="3">
+                                            <p:txEl>
+                                              <p:pRg st="2" end="2"/>
+                                            </p:txEl>
+                                          </p:spTgt>
+                                        </p:tgtEl>
+                                      </p:cBhvr>
+                                    </p:animEffect>
+                                    <p:anim calcmode="lin" valueType="num">
+                                      <p:cBhvr>
+                                        <p:cTn id="22" dur="1000" fill="hold"/>
+                                        <p:tgtEl>
+                                          <p:spTgt spid="3">
+                                            <p:txEl>
+                                              <p:pRg st="2" end="2"/>
+                                            </p:txEl>
+                                          </p:spTgt>
+                                        </p:tgtEl>
+                                        <p:attrNameLst>
+                                          <p:attrName>ppt_x</p:attrName>
+                                        </p:attrNameLst>
+                                      </p:cBhvr>
+                                      <p:tavLst>
+                                        <p:tav tm="0">
+                                          <p:val>
+                                            <p:strVal val="#ppt_x"/>
+                                          </p:val>
+                                        </p:tav>
+                                        <p:tav tm="100000">
+                                          <p:val>
+                                            <p:strVal val="#ppt_x"/>
+                                          </p:val>
+                                        </p:tav>
+                                      </p:tavLst>
+                                    </p:anim>
+                                    <p:anim calcmode="lin" valueType="num">
+                                      <p:cBhvr>
+                                        <p:cTn id="23" dur="1000" fill="hold"/>
+                                        <p:tgtEl>
+                                          <p:spTgt spid="3">
+                                            <p:txEl>
+                                              <p:pRg st="2" end="2"/>
+                                            </p:txEl>
+                                          </p:spTgt>
+                                        </p:tgtEl>
+                                        <p:attrNameLst>
+                                          <p:attrName>ppt_y</p:attrName>
+                                        </p:attrNameLst>
+                                      </p:cBhvr>
+                                      <p:tavLst>
+                                        <p:tav tm="0">
+                                          <p:val>
+                                            <p:strVal val="#ppt_y+.1"/>
+                                          </p:val>
+                                        </p:tav>
+                                        <p:tav tm="100000">
+                                          <p:val>
+                                            <p:strVal val="#ppt_y"/>
+                                          </p:val>
+                                        </p:tav>
+                                      </p:tavLst>
+                                    </p:anim>
+                                  </p:childTnLst>
+                                </p:cTn>
+                              </p:par>
+                            </p:childTnLst>
+                          </p:cTn>
+                        </p:par>
+                      </p:childTnLst>
+                    </p:cTn>
+                  </p:par>
+                  <p:par>
+                    <p:cTn id="24" fill="hold">
+                      <p:stCondLst>
+                        <p:cond delay="indefinite"/>
+                      </p:stCondLst>
+                      <p:childTnLst>
+                        <p:par>
+                          <p:cTn id="25" fill="hold">
+                            <p:stCondLst>
+                              <p:cond delay="0"/>
+                            </p:stCondLst>
+                            <p:childTnLst>
+                              <p:par>
+                                <p:cTn id="26" presetID="42" presetClass="entr" presetSubtype="0" fill="hold" grpId="0" nodeType="clickEffect">
+                                  <p:stCondLst>
+                                    <p:cond delay="0"/>
+                                  </p:stCondLst>
+                                  <p:childTnLst>
+                                    <p:set>
+                                      <p:cBhvr>
+                                        <p:cTn id="27" dur="1" fill="hold">
+                                          <p:stCondLst>
+                                            <p:cond delay="0"/>
+                                          </p:stCondLst>
+                                        </p:cTn>
+                                        <p:tgtEl>
+                                          <p:spTgt spid="3">
+                                            <p:txEl>
+                                              <p:pRg st="3" end="3"/>
+                                            </p:txEl>
+                                          </p:spTgt>
+                                        </p:tgtEl>
+                                        <p:attrNameLst>
+                                          <p:attrName>style.visibility</p:attrName>
+                                        </p:attrNameLst>
+                                      </p:cBhvr>
+                                      <p:to>
+                                        <p:strVal val="visible"/>
+                                      </p:to>
+                                    </p:set>
+                                    <p:animEffect transition="in" filter="fade">
+                                      <p:cBhvr>
+                                        <p:cTn id="28" dur="1000"/>
+                                        <p:tgtEl>
+                                          <p:spTgt spid="3">
+                                            <p:txEl>
+                                              <p:pRg st="3" end="3"/>
+                                            </p:txEl>
+                                          </p:spTgt>
+                                        </p:tgtEl>
+                                      </p:cBhvr>
+                                    </p:animEffect>
+                                    <p:anim calcmode="lin" valueType="num">
+                                      <p:cBhvr>
+                                        <p:cTn id="29" dur="1000" fill="hold"/>
+                                        <p:tgtEl>
+                                          <p:spTgt spid="3">
+                                            <p:txEl>
+                                              <p:pRg st="3" end="3"/>
+                                            </p:txEl>
+                                          </p:spTgt>
+                                        </p:tgtEl>
+                                        <p:attrNameLst>
+                                          <p:attrName>ppt_x</p:attrName>
+                                        </p:attrNameLst>
+                                      </p:cBhvr>
+                                      <p:tavLst>
+                                        <p:tav tm="0">
+                                          <p:val>
+                                            <p:strVal val="#ppt_x"/>
+                                          </p:val>
+                                        </p:tav>
+                                        <p:tav tm="100000">
+                                          <p:val>
+                                            <p:strVal val="#ppt_x"/>
+                                          </p:val>
+                                        </p:tav>
+                                      </p:tavLst>
+                                    </p:anim>
+                                    <p:anim calcmode="lin" valueType="num">
+                                      <p:cBhvr>
+                                        <p:cTn id="30" dur="1000" fill="hold"/>
+                                        <p:tgtEl>
+                                          <p:spTgt spid="3">
+                                            <p:txEl>
+                                              <p:pRg st="3" end="3"/>
+                                            </p:txEl>
+                                          </p:spTgt>
+                                        </p:tgtEl>
+                                        <p:attrNameLst>
+                                          <p:attrName>ppt_y</p:attrName>
+                                        </p:attrNameLst>
+                                      </p:cBhvr>
+                                      <p:tavLst>
+                                        <p:tav tm="0">
+                                          <p:val>
+                                            <p:strVal val="#ppt_y+.1"/>
+                                          </p:val>
+                                        </p:tav>
+                                        <p:tav tm="100000">
+                                          <p:val>
+                                            <p:strVal val="#ppt_y"/>
+                                          </p:val>
+                                        </p:tav>
+                                      </p:tavLst>
+                                    </p:anim>
+                                  </p:childTnLst>
+                                </p:cTn>
+                              </p:par>
+                            </p:childTnLst>
+                          </p:cTn>
+                        </p:par>
+                      </p:childTnLst>
+                    </p:cTn>
+                  </p:par>
+                  <p:par>
+                    <p:cTn id="31" fill="hold">
+                      <p:stCondLst>
+                        <p:cond delay="indefinite"/>
+                      </p:stCondLst>
+                      <p:childTnLst>
+                        <p:par>
+                          <p:cTn id="32" fill="hold">
+                            <p:stCondLst>
+                              <p:cond delay="0"/>
+                            </p:stCondLst>
+                            <p:childTnLst>
+                              <p:par>
+                                <p:cTn id="33" presetID="42" presetClass="entr" presetSubtype="0" fill="hold" grpId="0" nodeType="clickEffect">
+                                  <p:stCondLst>
+                                    <p:cond delay="0"/>
+                                  </p:stCondLst>
+                                  <p:childTnLst>
+                                    <p:set>
+                                      <p:cBhvr>
+                                        <p:cTn id="34" dur="1" fill="hold">
+                                          <p:stCondLst>
+                                            <p:cond delay="0"/>
+                                          </p:stCondLst>
+                                        </p:cTn>
+                                        <p:tgtEl>
+                                          <p:spTgt spid="3">
+                                            <p:txEl>
+                                              <p:pRg st="4" end="4"/>
+                                            </p:txEl>
+                                          </p:spTgt>
+                                        </p:tgtEl>
+                                        <p:attrNameLst>
+                                          <p:attrName>style.visibility</p:attrName>
+                                        </p:attrNameLst>
+                                      </p:cBhvr>
+                                      <p:to>
+                                        <p:strVal val="visible"/>
+                                      </p:to>
+                                    </p:set>
+                                    <p:animEffect transition="in" filter="fade">
+                                      <p:cBhvr>
+                                        <p:cTn id="35" dur="1000"/>
+                                        <p:tgtEl>
+                                          <p:spTgt spid="3">
+                                            <p:txEl>
+                                              <p:pRg st="4" end="4"/>
+                                            </p:txEl>
+                                          </p:spTgt>
+                                        </p:tgtEl>
+                                      </p:cBhvr>
+                                    </p:animEffect>
+                                    <p:anim calcmode="lin" valueType="num">
+                                      <p:cBhvr>
+                                        <p:cTn id="36" dur="1000" fill="hold"/>
+                                        <p:tgtEl>
+                                          <p:spTgt spid="3">
+                                            <p:txEl>
+                                              <p:pRg st="4" end="4"/>
+                                            </p:txEl>
+                                          </p:spTgt>
+                                        </p:tgtEl>
+                                        <p:attrNameLst>
+                                          <p:attrName>ppt_x</p:attrName>
+                                        </p:attrNameLst>
+                                      </p:cBhvr>
+                                      <p:tavLst>
+                                        <p:tav tm="0">
+                                          <p:val>
+                                            <p:strVal val="#ppt_x"/>
+                                          </p:val>
+                                        </p:tav>
+                                        <p:tav tm="100000">
+                                          <p:val>
+                                            <p:strVal val="#ppt_x"/>
+                                          </p:val>
+                                        </p:tav>
+                                      </p:tavLst>
+                                    </p:anim>
+                                    <p:anim calcmode="lin" valueType="num">
+                                      <p:cBhvr>
+                                        <p:cTn id="37" dur="1000" fill="hold"/>
+                                        <p:tgtEl>
+                                          <p:spTgt spid="3">
+                                            <p:txEl>
+                                              <p:pRg st="4" end="4"/>
+                                            </p:txEl>
+                                          </p:spTgt>
+                                        </p:tgtEl>
+                                        <p:attrNameLst>
+                                          <p:attrName>ppt_y</p:attrName>
+                                        </p:attrNameLst>
+                                      </p:cBhvr>
+                                      <p:tavLst>
+                                        <p:tav tm="0">
+                                          <p:val>
+                                            <p:strVal val="#ppt_y+.1"/>
+                                          </p:val>
+                                        </p:tav>
+                                        <p:tav tm="100000">
+                                          <p:val>
+                                            <p:strVal val="#ppt_y"/>
+                                          </p:val>
+                                        </p:tav>
+                                      </p:tavLst>
+                                    </p:anim>
+                                  </p:childTnLst>
+                                </p:cTn>
+                              </p:par>
+                            </p:childTnLst>
+                          </p:cTn>
+                        </p:par>
+                      </p:childTnLst>
+                    </p:cTn>
+                  </p:par>
+                </p:childTnLst>
+              </p:cTn>
+              <p:prevCondLst>
+                <p:cond evt="onPrev" delay="0">
+                  <p:tgtEl>
+                    <p:sldTgt/>
+                  </p:tgtEl>
+                </p:cond>
+              </p:prevCondLst>
+              <p:nextCondLst>
+                <p:cond evt="onNext" delay="0">
+                  <p:tgtEl>
+                    <p:sldTgt/>
+                  </p:tgtEl>
+                </p:cond>
+              </p:nextCondLst>
+            </p:seq>
+          </p:childTnLst>
+        </p:cTn>
+      </p:par>
+    </p:tnLst>
+    <p:bldLst>
+      <p:bldP spid="3" grpId="0" uiExpand="1" build="p"/>
+    </p:bldLst>
+  </p:timing>
+</p:sld>
+</file>
+
+<file path=ppt/slides/slide8.xml><?xml version="1.0" encoding="utf-8"?>
+<p:sld xmlns:a="http://schemas.openxmlformats.org/drawingml/2006/main" xmlns:r="http://schemas.openxmlformats.org/officeDocument/2006/relationships" xmlns:p="http://schemas.openxmlformats.org/presentationml/2006/main">
+  <p:cSld>
+    <p:spTree>
+      <p:nvGrpSpPr>
+        <p:cNvPr id="1" name=""/>
+        <p:cNvGrpSpPr/>
+        <p:nvPr/>
+      </p:nvGrpSpPr>
+      <p:grpSpPr>
+        <a:xfrm>
+          <a:off x="0" y="0"/>
+          <a:ext cx="0" cy="0"/>
+          <a:chOff x="0" y="0"/>
+          <a:chExt cx="0" cy="0"/>
+        </a:xfrm>
+      </p:grpSpPr>
+      <p:sp>
+        <p:nvSpPr>
+          <p:cNvPr id="2" name="Textplatzhalter 1">
+            <a:extLst>
+              <a:ext uri="{FF2B5EF4-FFF2-40B4-BE49-F238E27FC236}">
+                <a16:creationId xmlns:a16="http://schemas.microsoft.com/office/drawing/2014/main" id="{15AB8BCD-1309-47E4-A00F-9CD195A4CD36}"/>
+              </a:ext>
+            </a:extLst>
+          </p:cNvPr>
+          <p:cNvSpPr>
+            <a:spLocks noGrp="1"/>
+          </p:cNvSpPr>
+          <p:nvPr>
+            <p:ph type="body" sz="quarter" idx="16"/>
+          </p:nvPr>
+        </p:nvSpPr>
+        <p:spPr/>
+        <p:txBody>
+          <a:bodyPr/>
+          <a:lstStyle/>
+          <a:p>
+            <a:r>
+              <a:rPr lang="de-DE" dirty="0"/>
+              <a:t>Aktor- und sensorwerte</a:t>
+            </a:r>
+          </a:p>
+        </p:txBody>
+      </p:sp>
+      <p:sp>
+        <p:nvSpPr>
+          <p:cNvPr id="4" name="Foliennummernplatzhalter 3">
+            <a:extLst>
+              <a:ext uri="{FF2B5EF4-FFF2-40B4-BE49-F238E27FC236}">
+                <a16:creationId xmlns:a16="http://schemas.microsoft.com/office/drawing/2014/main" id="{70E55811-C355-46B3-B5DC-AFDF8C39BC54}"/>
+              </a:ext>
+            </a:extLst>
+          </p:cNvPr>
+          <p:cNvSpPr>
+            <a:spLocks noGrp="1"/>
+          </p:cNvSpPr>
+          <p:nvPr>
+            <p:ph type="sldNum" sz="quarter" idx="21"/>
+          </p:nvPr>
+        </p:nvSpPr>
+        <p:spPr/>
+        <p:txBody>
+          <a:bodyPr/>
+          <a:lstStyle/>
+          <a:p>
+            <a:fld id="{BD63572F-0786-4616-8901-689DCAD05BEF}" type="slidenum">
+              <a:rPr lang="de-DE" altLang="de-DE" smtClean="0"/>
+              <a:pPr/>
+              <a:t>7</a:t>
+            </a:fld>
+            <a:endParaRPr lang="de-DE" altLang="de-DE" dirty="0"/>
+          </a:p>
+        </p:txBody>
+      </p:sp>
+      <p:sp>
+        <p:nvSpPr>
+          <p:cNvPr id="7" name="Textplatzhalter 6">
+            <a:extLst>
+              <a:ext uri="{FF2B5EF4-FFF2-40B4-BE49-F238E27FC236}">
+                <a16:creationId xmlns:a16="http://schemas.microsoft.com/office/drawing/2014/main" id="{4D432A5E-4920-400D-9486-9B7E43C92F95}"/>
+              </a:ext>
+            </a:extLst>
+          </p:cNvPr>
+          <p:cNvSpPr>
+            <a:spLocks noGrp="1"/>
+          </p:cNvSpPr>
+          <p:nvPr>
+            <p:ph type="body" sz="quarter" idx="20"/>
+          </p:nvPr>
+        </p:nvSpPr>
+        <p:spPr>
+          <a:xfrm>
+            <a:off x="4706964" y="2316480"/>
+            <a:ext cx="5412396" cy="2954979"/>
+          </a:xfrm>
+        </p:spPr>
+        <p:txBody>
+          <a:bodyPr/>
+          <a:lstStyle/>
+          <a:p>
+            <a:r>
+              <a:rPr lang="de-DE" dirty="0"/>
+              <a:t>Aktor- und Sensorwerte:</a:t>
+            </a:r>
+          </a:p>
+          <a:p>
+            <a:pPr marL="285750" indent="-285750">
+              <a:buFont typeface="Arial" panose="020B0604020202020204" pitchFamily="34" charset="0"/>
+              <a:buChar char="•"/>
+            </a:pPr>
+            <a:r>
+              <a:rPr lang="de-DE" dirty="0"/>
+              <a:t>Immer sichtbar</a:t>
+            </a:r>
+          </a:p>
+          <a:p>
+            <a:pPr marL="285750" indent="-285750">
+              <a:buFont typeface="Arial" panose="020B0604020202020204" pitchFamily="34" charset="0"/>
+              <a:buChar char="•"/>
+            </a:pPr>
+            <a:r>
+              <a:rPr lang="de-DE" dirty="0"/>
+              <a:t>Reagieren auf gesendete Werte vom </a:t>
+            </a:r>
+            <a:r>
+              <a:rPr lang="de-DE" dirty="0" err="1"/>
+              <a:t>Controllino</a:t>
+            </a:r>
+            <a:r>
+              <a:rPr lang="de-DE" dirty="0"/>
+              <a:t> Maxi</a:t>
+            </a:r>
+          </a:p>
+          <a:p>
+            <a:pPr marL="285750" indent="-285750">
+              <a:buFont typeface="Arial" panose="020B0604020202020204" pitchFamily="34" charset="0"/>
+              <a:buChar char="•"/>
+            </a:pPr>
+            <a:r>
+              <a:rPr lang="de-DE" dirty="0"/>
+              <a:t>Im folgenden Video: Mock-Up gibt Muster vor</a:t>
+            </a:r>
+          </a:p>
+          <a:p>
+            <a:endParaRPr lang="de-DE" dirty="0"/>
+          </a:p>
+        </p:txBody>
+      </p:sp>
+      <p:pic>
+        <p:nvPicPr>
+          <p:cNvPr id="9" name="Grafik 8">
+            <a:extLst>
+              <a:ext uri="{FF2B5EF4-FFF2-40B4-BE49-F238E27FC236}">
+                <a16:creationId xmlns:a16="http://schemas.microsoft.com/office/drawing/2014/main" id="{5D54AD80-9ED7-4F3E-9BCF-A67AD8F63075}"/>
+              </a:ext>
+            </a:extLst>
+          </p:cNvPr>
+          <p:cNvPicPr>
+            <a:picLocks noChangeAspect="1"/>
+          </p:cNvPicPr>
+          <p:nvPr/>
+        </p:nvPicPr>
+        <p:blipFill>
+          <a:blip r:embed="rId2"/>
+          <a:stretch>
+            <a:fillRect/>
+          </a:stretch>
+        </p:blipFill>
+        <p:spPr>
+          <a:xfrm>
+            <a:off x="618002" y="1492249"/>
+            <a:ext cx="4010585" cy="2534004"/>
+          </a:xfrm>
+          <a:prstGeom prst="rect">
+            <a:avLst/>
+          </a:prstGeom>
+          <a:ln>
+            <a:solidFill>
+              <a:schemeClr val="tx1"/>
+            </a:solidFill>
+          </a:ln>
+        </p:spPr>
+      </p:pic>
+    </p:spTree>
+    <p:extLst>
+      <p:ext uri="{BB962C8B-B14F-4D97-AF65-F5344CB8AC3E}">
+        <p14:creationId xmlns:p14="http://schemas.microsoft.com/office/powerpoint/2010/main" val="3744516344"/>
+      </p:ext>
+    </p:extLst>
+  </p:cSld>
+  <p:clrMapOvr>
+    <a:masterClrMapping/>
+  </p:clrMapOvr>
+  <p:timing>
+    <p:tnLst>
+      <p:par>
+        <p:cTn id="1" dur="indefinite" restart="never" nodeType="tmRoot">
+          <p:childTnLst>
+            <p:seq concurrent="1" nextAc="seek">
+              <p:cTn id="2" dur="indefinite" nodeType="mainSeq">
+                <p:childTnLst>
+                  <p:par>
+                    <p:cTn id="3" fill="hold">
+                      <p:stCondLst>
+                        <p:cond delay="indefinite"/>
+                      </p:stCondLst>
+                      <p:childTnLst>
+                        <p:par>
+                          <p:cTn id="4" fill="hold">
+                            <p:stCondLst>
+                              <p:cond delay="0"/>
+                            </p:stCondLst>
+                            <p:childTnLst>
+                              <p:par>
+                                <p:cTn id="5" presetID="42" presetClass="entr" presetSubtype="0" fill="hold" nodeType="clickEffect">
+                                  <p:stCondLst>
+                                    <p:cond delay="0"/>
+                                  </p:stCondLst>
+                                  <p:childTnLst>
+                                    <p:set>
+                                      <p:cBhvr>
+                                        <p:cTn id="6" dur="1" fill="hold">
+                                          <p:stCondLst>
+                                            <p:cond delay="0"/>
+                                          </p:stCondLst>
+                                        </p:cTn>
+                                        <p:tgtEl>
+                                          <p:spTgt spid="7">
+                                            <p:txEl>
+                                              <p:pRg st="0" end="0"/>
+                                            </p:txEl>
+                                          </p:spTgt>
+                                        </p:tgtEl>
+                                        <p:attrNameLst>
+                                          <p:attrName>style.visibility</p:attrName>
+                                        </p:attrNameLst>
+                                      </p:cBhvr>
+                                      <p:to>
+                                        <p:strVal val="visible"/>
+                                      </p:to>
+                                    </p:set>
+                                    <p:animEffect transition="in" filter="fade">
+                                      <p:cBhvr>
+                                        <p:cTn id="7" dur="1000"/>
+                                        <p:tgtEl>
+                                          <p:spTgt spid="7">
+                                            <p:txEl>
+                                              <p:pRg st="0" end="0"/>
+                                            </p:txEl>
+                                          </p:spTgt>
+                                        </p:tgtEl>
+                                      </p:cBhvr>
+                                    </p:animEffect>
+                                    <p:anim calcmode="lin" valueType="num">
+                                      <p:cBhvr>
+                                        <p:cTn id="8" dur="1000" fill="hold"/>
+                                        <p:tgtEl>
+                                          <p:spTgt spid="7">
+                                            <p:txEl>
+                                              <p:pRg st="0" end="0"/>
+                                            </p:txEl>
+                                          </p:spTgt>
+                                        </p:tgtEl>
+                                        <p:attrNameLst>
+                                          <p:attrName>ppt_x</p:attrName>
+                                        </p:attrNameLst>
+                                      </p:cBhvr>
+                                      <p:tavLst>
+                                        <p:tav tm="0">
+                                          <p:val>
+                                            <p:strVal val="#ppt_x"/>
+                                          </p:val>
+                                        </p:tav>
+                                        <p:tav tm="100000">
+                                          <p:val>
+                                            <p:strVal val="#ppt_x"/>
+                                          </p:val>
+                                        </p:tav>
+                                      </p:tavLst>
+                                    </p:anim>
+                                    <p:anim calcmode="lin" valueType="num">
+                                      <p:cBhvr>
+                                        <p:cTn id="9" dur="1000" fill="hold"/>
+                                        <p:tgtEl>
+                                          <p:spTgt spid="7">
+                                            <p:txEl>
+                                              <p:pRg st="0" end="0"/>
+                                            </p:txEl>
+                                          </p:spTgt>
+                                        </p:tgtEl>
+                                        <p:attrNameLst>
+                                          <p:attrName>ppt_y</p:attrName>
+                                        </p:attrNameLst>
+                                      </p:cBhvr>
+                                      <p:tavLst>
+                                        <p:tav tm="0">
+                                          <p:val>
+                                            <p:strVal val="#ppt_y+.1"/>
+                                          </p:val>
+                                        </p:tav>
+                                        <p:tav tm="100000">
+                                          <p:val>
+                                            <p:strVal val="#ppt_y"/>
+                                          </p:val>
+                                        </p:tav>
+                                      </p:tavLst>
+                                    </p:anim>
+                                  </p:childTnLst>
+                                </p:cTn>
+                              </p:par>
+                            </p:childTnLst>
+                          </p:cTn>
+                        </p:par>
+                      </p:childTnLst>
+                    </p:cTn>
+                  </p:par>
+                  <p:par>
+                    <p:cTn id="10" fill="hold">
+                      <p:stCondLst>
+                        <p:cond delay="indefinite"/>
+                      </p:stCondLst>
+                      <p:childTnLst>
+                        <p:par>
+                          <p:cTn id="11" fill="hold">
+                            <p:stCondLst>
+                              <p:cond delay="0"/>
+                            </p:stCondLst>
+                            <p:childTnLst>
+                              <p:par>
+                                <p:cTn id="12" presetID="42" presetClass="entr" presetSubtype="0" fill="hold" nodeType="clickEffect">
+                                  <p:stCondLst>
+                                    <p:cond delay="0"/>
+                                  </p:stCondLst>
+                                  <p:childTnLst>
+                                    <p:set>
+                                      <p:cBhvr>
+                                        <p:cTn id="13" dur="1" fill="hold">
+                                          <p:stCondLst>
+                                            <p:cond delay="0"/>
+                                          </p:stCondLst>
+                                        </p:cTn>
+                                        <p:tgtEl>
+                                          <p:spTgt spid="7">
+                                            <p:txEl>
+                                              <p:pRg st="1" end="1"/>
+                                            </p:txEl>
+                                          </p:spTgt>
+                                        </p:tgtEl>
+                                        <p:attrNameLst>
+                                          <p:attrName>style.visibility</p:attrName>
+                                        </p:attrNameLst>
+                                      </p:cBhvr>
+                                      <p:to>
+                                        <p:strVal val="visible"/>
+                                      </p:to>
+                                    </p:set>
+                                    <p:animEffect transition="in" filter="fade">
+                                      <p:cBhvr>
+                                        <p:cTn id="14" dur="1000"/>
+                                        <p:tgtEl>
+                                          <p:spTgt spid="7">
+                                            <p:txEl>
+                                              <p:pRg st="1" end="1"/>
+                                            </p:txEl>
+                                          </p:spTgt>
+                                        </p:tgtEl>
+                                      </p:cBhvr>
+                                    </p:animEffect>
+                                    <p:anim calcmode="lin" valueType="num">
+                                      <p:cBhvr>
+                                        <p:cTn id="15" dur="1000" fill="hold"/>
+                                        <p:tgtEl>
+                                          <p:spTgt spid="7">
+                                            <p:txEl>
+                                              <p:pRg st="1" end="1"/>
+                                            </p:txEl>
+                                          </p:spTgt>
+                                        </p:tgtEl>
+                                        <p:attrNameLst>
+                                          <p:attrName>ppt_x</p:attrName>
+                                        </p:attrNameLst>
+                                      </p:cBhvr>
+                                      <p:tavLst>
+                                        <p:tav tm="0">
+                                          <p:val>
+                                            <p:strVal val="#ppt_x"/>
+                                          </p:val>
+                                        </p:tav>
+                                        <p:tav tm="100000">
+                                          <p:val>
+                                            <p:strVal val="#ppt_x"/>
+                                          </p:val>
+                                        </p:tav>
+                                      </p:tavLst>
+                                    </p:anim>
+                                    <p:anim calcmode="lin" valueType="num">
+                                      <p:cBhvr>
+                                        <p:cTn id="16" dur="1000" fill="hold"/>
+                                        <p:tgtEl>
+                                          <p:spTgt spid="7">
+                                            <p:txEl>
+                                              <p:pRg st="1" end="1"/>
+                                            </p:txEl>
+                                          </p:spTgt>
+                                        </p:tgtEl>
+                                        <p:attrNameLst>
+                                          <p:attrName>ppt_y</p:attrName>
+                                        </p:attrNameLst>
+                                      </p:cBhvr>
+                                      <p:tavLst>
+                                        <p:tav tm="0">
+                                          <p:val>
+                                            <p:strVal val="#ppt_y+.1"/>
+                                          </p:val>
+                                        </p:tav>
+                                        <p:tav tm="100000">
+                                          <p:val>
+                                            <p:strVal val="#ppt_y"/>
+                                          </p:val>
+                                        </p:tav>
+                                      </p:tavLst>
+                                    </p:anim>
+                                  </p:childTnLst>
+                                </p:cTn>
+                              </p:par>
+                            </p:childTnLst>
+                          </p:cTn>
+                        </p:par>
+                      </p:childTnLst>
+                    </p:cTn>
+                  </p:par>
+                  <p:par>
+                    <p:cTn id="17" fill="hold">
+                      <p:stCondLst>
+                        <p:cond delay="indefinite"/>
+                      </p:stCondLst>
+                      <p:childTnLst>
+                        <p:par>
+                          <p:cTn id="18" fill="hold">
+                            <p:stCondLst>
+                              <p:cond delay="0"/>
+                            </p:stCondLst>
+                            <p:childTnLst>
+                              <p:par>
+                                <p:cTn id="19" presetID="42" presetClass="entr" presetSubtype="0" fill="hold" nodeType="clickEffect">
+                                  <p:stCondLst>
+                                    <p:cond delay="0"/>
+                                  </p:stCondLst>
+                                  <p:childTnLst>
+                                    <p:set>
+                                      <p:cBhvr>
+                                        <p:cTn id="20" dur="1" fill="hold">
+                                          <p:stCondLst>
+                                            <p:cond delay="0"/>
+                                          </p:stCondLst>
+                                        </p:cTn>
+                                        <p:tgtEl>
+                                          <p:spTgt spid="7">
+                                            <p:txEl>
+                                              <p:pRg st="2" end="2"/>
+                                            </p:txEl>
+                                          </p:spTgt>
+                                        </p:tgtEl>
+                                        <p:attrNameLst>
+                                          <p:attrName>style.visibility</p:attrName>
+                                        </p:attrNameLst>
+                                      </p:cBhvr>
+                                      <p:to>
+                                        <p:strVal val="visible"/>
+                                      </p:to>
+                                    </p:set>
+                                    <p:animEffect transition="in" filter="fade">
+                                      <p:cBhvr>
+                                        <p:cTn id="21" dur="1000"/>
+                                        <p:tgtEl>
+                                          <p:spTgt spid="7">
+                                            <p:txEl>
+                                              <p:pRg st="2" end="2"/>
+                                            </p:txEl>
+                                          </p:spTgt>
+                                        </p:tgtEl>
+                                      </p:cBhvr>
+                                    </p:animEffect>
+                                    <p:anim calcmode="lin" valueType="num">
+                                      <p:cBhvr>
+                                        <p:cTn id="22" dur="1000" fill="hold"/>
+                                        <p:tgtEl>
+                                          <p:spTgt spid="7">
+                                            <p:txEl>
+                                              <p:pRg st="2" end="2"/>
+                                            </p:txEl>
+                                          </p:spTgt>
+                                        </p:tgtEl>
+                                        <p:attrNameLst>
+                                          <p:attrName>ppt_x</p:attrName>
+                                        </p:attrNameLst>
+                                      </p:cBhvr>
+                                      <p:tavLst>
+                                        <p:tav tm="0">
+                                          <p:val>
+                                            <p:strVal val="#ppt_x"/>
+                                          </p:val>
+                                        </p:tav>
+                                        <p:tav tm="100000">
+                                          <p:val>
+                                            <p:strVal val="#ppt_x"/>
+                                          </p:val>
+                                        </p:tav>
+                                      </p:tavLst>
+                                    </p:anim>
+                                    <p:anim calcmode="lin" valueType="num">
+                                      <p:cBhvr>
+                                        <p:cTn id="23" dur="1000" fill="hold"/>
+                                        <p:tgtEl>
+                                          <p:spTgt spid="7">
+                                            <p:txEl>
+                                              <p:pRg st="2" end="2"/>
+                                            </p:txEl>
+                                          </p:spTgt>
+                                        </p:tgtEl>
+                                        <p:attrNameLst>
+                                          <p:attrName>ppt_y</p:attrName>
+                                        </p:attrNameLst>
+                                      </p:cBhvr>
+                                      <p:tavLst>
+                                        <p:tav tm="0">
+                                          <p:val>
+                                            <p:strVal val="#ppt_y+.1"/>
+                                          </p:val>
+                                        </p:tav>
+                                        <p:tav tm="100000">
+                                          <p:val>
+                                            <p:strVal val="#ppt_y"/>
+                                          </p:val>
+                                        </p:tav>
+                                      </p:tavLst>
+                                    </p:anim>
+                                  </p:childTnLst>
+                                </p:cTn>
+                              </p:par>
+                            </p:childTnLst>
+                          </p:cTn>
+                        </p:par>
+                      </p:childTnLst>
+                    </p:cTn>
+                  </p:par>
+                  <p:par>
+                    <p:cTn id="24" fill="hold">
+                      <p:stCondLst>
+                        <p:cond delay="indefinite"/>
+                      </p:stCondLst>
+                      <p:childTnLst>
+                        <p:par>
+                          <p:cTn id="25" fill="hold">
+                            <p:stCondLst>
+                              <p:cond delay="0"/>
+                            </p:stCondLst>
+                            <p:childTnLst>
+                              <p:par>
+                                <p:cTn id="26" presetID="42" presetClass="entr" presetSubtype="0" fill="hold" nodeType="clickEffect">
+                                  <p:stCondLst>
+                                    <p:cond delay="0"/>
+                                  </p:stCondLst>
+                                  <p:childTnLst>
+                                    <p:set>
+                                      <p:cBhvr>
+                                        <p:cTn id="27" dur="1" fill="hold">
+                                          <p:stCondLst>
+                                            <p:cond delay="0"/>
+                                          </p:stCondLst>
+                                        </p:cTn>
+                                        <p:tgtEl>
+                                          <p:spTgt spid="7">
+                                            <p:txEl>
+                                              <p:pRg st="3" end="3"/>
+                                            </p:txEl>
+                                          </p:spTgt>
+                                        </p:tgtEl>
+                                        <p:attrNameLst>
+                                          <p:attrName>style.visibility</p:attrName>
+                                        </p:attrNameLst>
+                                      </p:cBhvr>
+                                      <p:to>
+                                        <p:strVal val="visible"/>
+                                      </p:to>
+                                    </p:set>
+                                    <p:animEffect transition="in" filter="fade">
+                                      <p:cBhvr>
+                                        <p:cTn id="28" dur="1000"/>
+                                        <p:tgtEl>
+                                          <p:spTgt spid="7">
+                                            <p:txEl>
+                                              <p:pRg st="3" end="3"/>
+                                            </p:txEl>
+                                          </p:spTgt>
+                                        </p:tgtEl>
+                                      </p:cBhvr>
+                                    </p:animEffect>
+                                    <p:anim calcmode="lin" valueType="num">
+                                      <p:cBhvr>
+                                        <p:cTn id="29" dur="1000" fill="hold"/>
+                                        <p:tgtEl>
+                                          <p:spTgt spid="7">
+                                            <p:txEl>
+                                              <p:pRg st="3" end="3"/>
+                                            </p:txEl>
+                                          </p:spTgt>
+                                        </p:tgtEl>
+                                        <p:attrNameLst>
+                                          <p:attrName>ppt_x</p:attrName>
+                                        </p:attrNameLst>
+                                      </p:cBhvr>
+                                      <p:tavLst>
+                                        <p:tav tm="0">
+                                          <p:val>
+                                            <p:strVal val="#ppt_x"/>
+                                          </p:val>
+                                        </p:tav>
+                                        <p:tav tm="100000">
+                                          <p:val>
+                                            <p:strVal val="#ppt_x"/>
+                                          </p:val>
+                                        </p:tav>
+                                      </p:tavLst>
+                                    </p:anim>
+                                    <p:anim calcmode="lin" valueType="num">
+                                      <p:cBhvr>
+                                        <p:cTn id="30" dur="1000" fill="hold"/>
+                                        <p:tgtEl>
+                                          <p:spTgt spid="7">
+                                            <p:txEl>
+                                              <p:pRg st="3" end="3"/>
+                                            </p:txEl>
+                                          </p:spTgt>
+                                        </p:tgtEl>
+                                        <p:attrNameLst>
+                                          <p:attrName>ppt_y</p:attrName>
+                                        </p:attrNameLst>
+                                      </p:cBhvr>
+                                      <p:tavLst>
+                                        <p:tav tm="0">
+                                          <p:val>
+                                            <p:strVal val="#ppt_y+.1"/>
+                                          </p:val>
+                                        </p:tav>
+                                        <p:tav tm="100000">
+                                          <p:val>
+                                            <p:strVal val="#ppt_y"/>
+                                          </p:val>
+                                        </p:tav>
+                                      </p:tavLst>
+                                    </p:anim>
+                                  </p:childTnLst>
+                                </p:cTn>
+                              </p:par>
+                            </p:childTnLst>
+                          </p:cTn>
+                        </p:par>
+                      </p:childTnLst>
+                    </p:cTn>
+                  </p:par>
+                </p:childTnLst>
+              </p:cTn>
+              <p:prevCondLst>
+                <p:cond evt="onPrev" delay="0">
+                  <p:tgtEl>
+                    <p:sldTgt/>
+                  </p:tgtEl>
+                </p:cond>
+              </p:prevCondLst>
+              <p:nextCondLst>
+                <p:cond evt="onNext" delay="0">
+                  <p:tgtEl>
+                    <p:sldTgt/>
+                  </p:tgtEl>
+                </p:cond>
+              </p:nextCondLst>
+            </p:seq>
+          </p:childTnLst>
+        </p:cTn>
+      </p:par>
+    </p:tnLst>
+  </p:timing>
+</p:sld>
+</file>
+
+<file path=ppt/slides/slide9.xml><?xml version="1.0" encoding="utf-8"?>
+<p:sld xmlns:a="http://schemas.openxmlformats.org/drawingml/2006/main" xmlns:r="http://schemas.openxmlformats.org/officeDocument/2006/relationships" xmlns:p="http://schemas.openxmlformats.org/presentationml/2006/main">
+  <p:cSld>
+    <p:spTree>
+      <p:nvGrpSpPr>
+        <p:cNvPr id="1" name=""/>
+        <p:cNvGrpSpPr/>
+        <p:nvPr/>
+      </p:nvGrpSpPr>
+      <p:grpSpPr>
+        <a:xfrm>
+          <a:off x="0" y="0"/>
+          <a:ext cx="0" cy="0"/>
+          <a:chOff x="0" y="0"/>
+          <a:chExt cx="0" cy="0"/>
+        </a:xfrm>
+      </p:grpSpPr>
+      <p:sp>
+        <p:nvSpPr>
+          <p:cNvPr id="3" name="Textplatzhalter 2">
+            <a:extLst>
+              <a:ext uri="{FF2B5EF4-FFF2-40B4-BE49-F238E27FC236}">
+                <a16:creationId xmlns:a16="http://schemas.microsoft.com/office/drawing/2014/main" id="{30A005E5-A341-43C1-9A12-5F6CB55AD5F2}"/>
+              </a:ext>
+            </a:extLst>
+          </p:cNvPr>
+          <p:cNvSpPr>
+            <a:spLocks noGrp="1"/>
+          </p:cNvSpPr>
+          <p:nvPr>
+            <p:ph type="body" sz="quarter" idx="20"/>
+          </p:nvPr>
+        </p:nvSpPr>
+        <p:spPr>
+          <a:xfrm>
+            <a:off x="618002" y="435429"/>
+            <a:ext cx="10941817" cy="5250995"/>
+          </a:xfrm>
+        </p:spPr>
+        <p:txBody>
+          <a:bodyPr/>
+          <a:lstStyle/>
+          <a:p>
+            <a:endParaRPr lang="de-DE"/>
+          </a:p>
+        </p:txBody>
+      </p:sp>
+      <p:sp>
+        <p:nvSpPr>
+          <p:cNvPr id="4" name="Foliennummernplatzhalter 3">
+            <a:extLst>
+              <a:ext uri="{FF2B5EF4-FFF2-40B4-BE49-F238E27FC236}">
+                <a16:creationId xmlns:a16="http://schemas.microsoft.com/office/drawing/2014/main" id="{3043AAA5-958A-4498-979D-B7A64007A441}"/>
+              </a:ext>
+            </a:extLst>
+          </p:cNvPr>
+          <p:cNvSpPr>
+            <a:spLocks noGrp="1"/>
+          </p:cNvSpPr>
+          <p:nvPr>
+            <p:ph type="sldNum" sz="quarter" idx="21"/>
+          </p:nvPr>
+        </p:nvSpPr>
+        <p:spPr/>
+        <p:txBody>
+          <a:bodyPr/>
+          <a:lstStyle/>
+          <a:p>
+            <a:fld id="{BD63572F-0786-4616-8901-689DCAD05BEF}" type="slidenum">
+              <a:rPr lang="de-DE" altLang="de-DE" smtClean="0"/>
+              <a:pPr/>
+              <a:t>8</a:t>
+            </a:fld>
+            <a:endParaRPr lang="de-DE" altLang="de-DE" dirty="0"/>
+          </a:p>
+        </p:txBody>
+      </p:sp>
+      <p:pic>
+        <p:nvPicPr>
+          <p:cNvPr id="5" name="2021-01-23_GUI_mit_Seriuellem_Monitor_Mock-Up">
+            <a:hlinkClick r:id="" action="ppaction://media"/>
+            <a:extLst>
+              <a:ext uri="{FF2B5EF4-FFF2-40B4-BE49-F238E27FC236}">
+                <a16:creationId xmlns:a16="http://schemas.microsoft.com/office/drawing/2014/main" id="{B3BE6316-C638-44BC-A129-A64771E64BD9}"/>
+              </a:ext>
+            </a:extLst>
+          </p:cNvPr>
+          <p:cNvPicPr>
+            <a:picLocks noChangeAspect="1"/>
+          </p:cNvPicPr>
+          <p:nvPr>
+            <a:videoFile r:link="rId2"/>
+            <p:extLst>
+              <p:ext uri="{DAA4B4D4-6D71-4841-9C94-3DE7FCFB9230}">
+                <p14:media xmlns:p14="http://schemas.microsoft.com/office/powerpoint/2010/main" r:embed="rId1"/>
+              </p:ext>
+            </p:extLst>
+          </p:nvPr>
+        </p:nvPicPr>
+        <p:blipFill>
+          <a:blip r:embed="rId4"/>
+          <a:stretch>
+            <a:fillRect/>
+          </a:stretch>
+        </p:blipFill>
+        <p:spPr>
+          <a:xfrm>
+            <a:off x="0" y="0"/>
+            <a:ext cx="12192000" cy="6858000"/>
+          </a:xfrm>
+          <a:prstGeom prst="rect">
+            <a:avLst/>
+          </a:prstGeom>
+        </p:spPr>
+      </p:pic>
+    </p:spTree>
+    <p:extLst>
+      <p:ext uri="{BB962C8B-B14F-4D97-AF65-F5344CB8AC3E}">
+        <p14:creationId xmlns:p14="http://schemas.microsoft.com/office/powerpoint/2010/main" val="2744096452"/>
+      </p:ext>
+    </p:extLst>
+  </p:cSld>
+  <p:clrMapOvr>
+    <a:masterClrMapping/>
+  </p:clrMapOvr>
+  <p:timing>
+    <p:tnLst>
+      <p:par>
+        <p:cTn id="1" dur="indefinite" restart="never" nodeType="tmRoot">
+          <p:childTnLst>
+            <p:seq concurrent="1" nextAc="seek">
+              <p:cTn id="2" dur="indefinite" nodeType="mainSeq">
+                <p:childTnLst>
+                  <p:par>
+                    <p:cTn id="3" fill="hold">
+                      <p:stCondLst>
+                        <p:cond delay="indefinite"/>
+                      </p:stCondLst>
+                      <p:childTnLst>
+                        <p:par>
+                          <p:cTn id="4" fill="hold">
+                            <p:stCondLst>
+                              <p:cond delay="0"/>
+                            </p:stCondLst>
+                            <p:childTnLst>
+                              <p:par>
+                                <p:cTn id="5" presetID="1" presetClass="mediacall" presetSubtype="0" fill="hold" nodeType="clickEffect">
+                                  <p:stCondLst>
+                                    <p:cond delay="0"/>
+                                  </p:stCondLst>
+                                  <p:childTnLst>
+                                    <p:cmd type="call" cmd="playFrom(0.0)">
+                                      <p:cBhvr>
+                                        <p:cTn id="6" dur="43533" fill="hold"/>
+                                        <p:tgtEl>
+                                          <p:spTgt spid="5"/>
+                                        </p:tgtEl>
+                                      </p:cBhvr>
+                                    </p:cmd>
+                                  </p:childTnLst>
+                                </p:cTn>
+                              </p:par>
+                            </p:childTnLst>
+                          </p:cTn>
+                        </p:par>
+                      </p:childTnLst>
+                    </p:cTn>
+                  </p:par>
+                </p:childTnLst>
+              </p:cTn>
+              <p:prevCondLst>
+                <p:cond evt="onPrev" delay="0">
+                  <p:tgtEl>
+                    <p:sldTgt/>
+                  </p:tgtEl>
+                </p:cond>
+              </p:prevCondLst>
+              <p:nextCondLst>
+                <p:cond evt="onNext" delay="0">
+                  <p:tgtEl>
+                    <p:sldTgt/>
+                  </p:tgtEl>
+                </p:cond>
+              </p:nextCondLst>
+            </p:seq>
+            <p:video>
+              <p:cMediaNode vol="80000">
+                <p:cTn id="7" fill="hold" display="0">
+                  <p:stCondLst>
+                    <p:cond delay="indefinite"/>
+                  </p:stCondLst>
+                </p:cTn>
+                <p:tgtEl>
+                  <p:spTgt spid="5"/>
+                </p:tgtEl>
+              </p:cMediaNode>
+            </p:video>
+            <p:seq concurrent="1" nextAc="seek">
+              <p:cTn id="8" restart="whenNotActive" fill="hold" evtFilter="cancelBubble" nodeType="interactiveSeq">
+                <p:stCondLst>
+                  <p:cond evt="onClick" delay="0">
+                    <p:tgtEl>
+                      <p:spTgt spid="5"/>
+                    </p:tgtEl>
+                  </p:cond>
+                </p:stCondLst>
+                <p:endSync evt="end" delay="0">
+                  <p:rtn val="all"/>
+                </p:endSync>
+                <p:childTnLst>
+                  <p:par>
+                    <p:cTn id="9" fill="hold">
+                      <p:stCondLst>
+                        <p:cond delay="0"/>
+                      </p:stCondLst>
+                      <p:childTnLst>
+                        <p:par>
+                          <p:cTn id="10" fill="hold">
+                            <p:stCondLst>
+                              <p:cond delay="0"/>
+                            </p:stCondLst>
+                            <p:childTnLst>
+                              <p:par>
+                                <p:cTn id="11" presetID="2" presetClass="mediacall" presetSubtype="0" fill="hold" nodeType="clickEffect">
+                                  <p:stCondLst>
+                                    <p:cond delay="0"/>
+                                  </p:stCondLst>
+                                  <p:childTnLst>
+                                    <p:cmd type="call" cmd="togglePause">
+                                      <p:cBhvr>
+                                        <p:cTn id="12" dur="1" fill="hold"/>
+                                        <p:tgtEl>
+                                          <p:spTgt spid="5"/>
+                                        </p:tgtEl>
+                                      </p:cBhvr>
+                                    </p:cmd>
+                                  </p:childTnLst>
+                                </p:cTn>
+                              </p:par>
+                            </p:childTnLst>
+                          </p:cTn>
+                        </p:par>
+                      </p:childTnLst>
+                    </p:cTn>
+                  </p:par>
+                </p:childTnLst>
+              </p:cTn>
+              <p:nextCondLst>
+                <p:cond evt="onClick" delay="0">
+                  <p:tgtEl>
+                    <p:spTgt spid="5"/>
+                  </p:tgtEl>
+                </p:cond>
+              </p:nextCondLst>
+            </p:seq>
+          </p:childTnLst>
+        </p:cTn>
+      </p:par>
+    </p:tnLst>
+  </p:timing>
 </p:sld>
 </file>
 

--- a/Doku/Präsentation/Showcase_AntidustA2.0_Fernwartung.pptx
+++ b/Doku/Präsentation/Showcase_AntidustA2.0_Fernwartung.pptx
@@ -7329,6 +7329,442 @@
   <p:clrMapOvr>
     <a:masterClrMapping/>
   </p:clrMapOvr>
+  <p:timing>
+    <p:tnLst>
+      <p:par>
+        <p:cTn id="1" dur="indefinite" restart="never" nodeType="tmRoot">
+          <p:childTnLst>
+            <p:seq concurrent="1" nextAc="seek">
+              <p:cTn id="2" dur="indefinite" nodeType="mainSeq">
+                <p:childTnLst>
+                  <p:par>
+                    <p:cTn id="3" fill="hold">
+                      <p:stCondLst>
+                        <p:cond delay="indefinite"/>
+                      </p:stCondLst>
+                      <p:childTnLst>
+                        <p:par>
+                          <p:cTn id="4" fill="hold">
+                            <p:stCondLst>
+                              <p:cond delay="0"/>
+                            </p:stCondLst>
+                            <p:childTnLst>
+                              <p:par>
+                                <p:cTn id="5" presetID="42" presetClass="entr" presetSubtype="0" fill="hold" nodeType="clickEffect">
+                                  <p:stCondLst>
+                                    <p:cond delay="0"/>
+                                  </p:stCondLst>
+                                  <p:childTnLst>
+                                    <p:set>
+                                      <p:cBhvr>
+                                        <p:cTn id="6" dur="1" fill="hold">
+                                          <p:stCondLst>
+                                            <p:cond delay="0"/>
+                                          </p:stCondLst>
+                                        </p:cTn>
+                                        <p:tgtEl>
+                                          <p:spTgt spid="3">
+                                            <p:txEl>
+                                              <p:pRg st="7" end="7"/>
+                                            </p:txEl>
+                                          </p:spTgt>
+                                        </p:tgtEl>
+                                        <p:attrNameLst>
+                                          <p:attrName>style.visibility</p:attrName>
+                                        </p:attrNameLst>
+                                      </p:cBhvr>
+                                      <p:to>
+                                        <p:strVal val="visible"/>
+                                      </p:to>
+                                    </p:set>
+                                    <p:animEffect transition="in" filter="fade">
+                                      <p:cBhvr>
+                                        <p:cTn id="7" dur="1000"/>
+                                        <p:tgtEl>
+                                          <p:spTgt spid="3">
+                                            <p:txEl>
+                                              <p:pRg st="7" end="7"/>
+                                            </p:txEl>
+                                          </p:spTgt>
+                                        </p:tgtEl>
+                                      </p:cBhvr>
+                                    </p:animEffect>
+                                    <p:anim calcmode="lin" valueType="num">
+                                      <p:cBhvr>
+                                        <p:cTn id="8" dur="1000" fill="hold"/>
+                                        <p:tgtEl>
+                                          <p:spTgt spid="3">
+                                            <p:txEl>
+                                              <p:pRg st="7" end="7"/>
+                                            </p:txEl>
+                                          </p:spTgt>
+                                        </p:tgtEl>
+                                        <p:attrNameLst>
+                                          <p:attrName>ppt_x</p:attrName>
+                                        </p:attrNameLst>
+                                      </p:cBhvr>
+                                      <p:tavLst>
+                                        <p:tav tm="0">
+                                          <p:val>
+                                            <p:strVal val="#ppt_x"/>
+                                          </p:val>
+                                        </p:tav>
+                                        <p:tav tm="100000">
+                                          <p:val>
+                                            <p:strVal val="#ppt_x"/>
+                                          </p:val>
+                                        </p:tav>
+                                      </p:tavLst>
+                                    </p:anim>
+                                    <p:anim calcmode="lin" valueType="num">
+                                      <p:cBhvr>
+                                        <p:cTn id="9" dur="1000" fill="hold"/>
+                                        <p:tgtEl>
+                                          <p:spTgt spid="3">
+                                            <p:txEl>
+                                              <p:pRg st="7" end="7"/>
+                                            </p:txEl>
+                                          </p:spTgt>
+                                        </p:tgtEl>
+                                        <p:attrNameLst>
+                                          <p:attrName>ppt_y</p:attrName>
+                                        </p:attrNameLst>
+                                      </p:cBhvr>
+                                      <p:tavLst>
+                                        <p:tav tm="0">
+                                          <p:val>
+                                            <p:strVal val="#ppt_y+.1"/>
+                                          </p:val>
+                                        </p:tav>
+                                        <p:tav tm="100000">
+                                          <p:val>
+                                            <p:strVal val="#ppt_y"/>
+                                          </p:val>
+                                        </p:tav>
+                                      </p:tavLst>
+                                    </p:anim>
+                                  </p:childTnLst>
+                                </p:cTn>
+                              </p:par>
+                              <p:par>
+                                <p:cTn id="10" presetID="42" presetClass="entr" presetSubtype="0" fill="hold" nodeType="withEffect">
+                                  <p:stCondLst>
+                                    <p:cond delay="0"/>
+                                  </p:stCondLst>
+                                  <p:childTnLst>
+                                    <p:set>
+                                      <p:cBhvr>
+                                        <p:cTn id="11" dur="1" fill="hold">
+                                          <p:stCondLst>
+                                            <p:cond delay="0"/>
+                                          </p:stCondLst>
+                                        </p:cTn>
+                                        <p:tgtEl>
+                                          <p:spTgt spid="3">
+                                            <p:txEl>
+                                              <p:pRg st="9" end="9"/>
+                                            </p:txEl>
+                                          </p:spTgt>
+                                        </p:tgtEl>
+                                        <p:attrNameLst>
+                                          <p:attrName>style.visibility</p:attrName>
+                                        </p:attrNameLst>
+                                      </p:cBhvr>
+                                      <p:to>
+                                        <p:strVal val="visible"/>
+                                      </p:to>
+                                    </p:set>
+                                    <p:animEffect transition="in" filter="fade">
+                                      <p:cBhvr>
+                                        <p:cTn id="12" dur="1000"/>
+                                        <p:tgtEl>
+                                          <p:spTgt spid="3">
+                                            <p:txEl>
+                                              <p:pRg st="9" end="9"/>
+                                            </p:txEl>
+                                          </p:spTgt>
+                                        </p:tgtEl>
+                                      </p:cBhvr>
+                                    </p:animEffect>
+                                    <p:anim calcmode="lin" valueType="num">
+                                      <p:cBhvr>
+                                        <p:cTn id="13" dur="1000" fill="hold"/>
+                                        <p:tgtEl>
+                                          <p:spTgt spid="3">
+                                            <p:txEl>
+                                              <p:pRg st="9" end="9"/>
+                                            </p:txEl>
+                                          </p:spTgt>
+                                        </p:tgtEl>
+                                        <p:attrNameLst>
+                                          <p:attrName>ppt_x</p:attrName>
+                                        </p:attrNameLst>
+                                      </p:cBhvr>
+                                      <p:tavLst>
+                                        <p:tav tm="0">
+                                          <p:val>
+                                            <p:strVal val="#ppt_x"/>
+                                          </p:val>
+                                        </p:tav>
+                                        <p:tav tm="100000">
+                                          <p:val>
+                                            <p:strVal val="#ppt_x"/>
+                                          </p:val>
+                                        </p:tav>
+                                      </p:tavLst>
+                                    </p:anim>
+                                    <p:anim calcmode="lin" valueType="num">
+                                      <p:cBhvr>
+                                        <p:cTn id="14" dur="1000" fill="hold"/>
+                                        <p:tgtEl>
+                                          <p:spTgt spid="3">
+                                            <p:txEl>
+                                              <p:pRg st="9" end="9"/>
+                                            </p:txEl>
+                                          </p:spTgt>
+                                        </p:tgtEl>
+                                        <p:attrNameLst>
+                                          <p:attrName>ppt_y</p:attrName>
+                                        </p:attrNameLst>
+                                      </p:cBhvr>
+                                      <p:tavLst>
+                                        <p:tav tm="0">
+                                          <p:val>
+                                            <p:strVal val="#ppt_y+.1"/>
+                                          </p:val>
+                                        </p:tav>
+                                        <p:tav tm="100000">
+                                          <p:val>
+                                            <p:strVal val="#ppt_y"/>
+                                          </p:val>
+                                        </p:tav>
+                                      </p:tavLst>
+                                    </p:anim>
+                                  </p:childTnLst>
+                                </p:cTn>
+                              </p:par>
+                              <p:par>
+                                <p:cTn id="15" presetID="42" presetClass="entr" presetSubtype="0" fill="hold" nodeType="withEffect">
+                                  <p:stCondLst>
+                                    <p:cond delay="0"/>
+                                  </p:stCondLst>
+                                  <p:childTnLst>
+                                    <p:set>
+                                      <p:cBhvr>
+                                        <p:cTn id="16" dur="1" fill="hold">
+                                          <p:stCondLst>
+                                            <p:cond delay="0"/>
+                                          </p:stCondLst>
+                                        </p:cTn>
+                                        <p:tgtEl>
+                                          <p:spTgt spid="3">
+                                            <p:txEl>
+                                              <p:pRg st="10" end="10"/>
+                                            </p:txEl>
+                                          </p:spTgt>
+                                        </p:tgtEl>
+                                        <p:attrNameLst>
+                                          <p:attrName>style.visibility</p:attrName>
+                                        </p:attrNameLst>
+                                      </p:cBhvr>
+                                      <p:to>
+                                        <p:strVal val="visible"/>
+                                      </p:to>
+                                    </p:set>
+                                    <p:animEffect transition="in" filter="fade">
+                                      <p:cBhvr>
+                                        <p:cTn id="17" dur="1000"/>
+                                        <p:tgtEl>
+                                          <p:spTgt spid="3">
+                                            <p:txEl>
+                                              <p:pRg st="10" end="10"/>
+                                            </p:txEl>
+                                          </p:spTgt>
+                                        </p:tgtEl>
+                                      </p:cBhvr>
+                                    </p:animEffect>
+                                    <p:anim calcmode="lin" valueType="num">
+                                      <p:cBhvr>
+                                        <p:cTn id="18" dur="1000" fill="hold"/>
+                                        <p:tgtEl>
+                                          <p:spTgt spid="3">
+                                            <p:txEl>
+                                              <p:pRg st="10" end="10"/>
+                                            </p:txEl>
+                                          </p:spTgt>
+                                        </p:tgtEl>
+                                        <p:attrNameLst>
+                                          <p:attrName>ppt_x</p:attrName>
+                                        </p:attrNameLst>
+                                      </p:cBhvr>
+                                      <p:tavLst>
+                                        <p:tav tm="0">
+                                          <p:val>
+                                            <p:strVal val="#ppt_x"/>
+                                          </p:val>
+                                        </p:tav>
+                                        <p:tav tm="100000">
+                                          <p:val>
+                                            <p:strVal val="#ppt_x"/>
+                                          </p:val>
+                                        </p:tav>
+                                      </p:tavLst>
+                                    </p:anim>
+                                    <p:anim calcmode="lin" valueType="num">
+                                      <p:cBhvr>
+                                        <p:cTn id="19" dur="1000" fill="hold"/>
+                                        <p:tgtEl>
+                                          <p:spTgt spid="3">
+                                            <p:txEl>
+                                              <p:pRg st="10" end="10"/>
+                                            </p:txEl>
+                                          </p:spTgt>
+                                        </p:tgtEl>
+                                        <p:attrNameLst>
+                                          <p:attrName>ppt_y</p:attrName>
+                                        </p:attrNameLst>
+                                      </p:cBhvr>
+                                      <p:tavLst>
+                                        <p:tav tm="0">
+                                          <p:val>
+                                            <p:strVal val="#ppt_y+.1"/>
+                                          </p:val>
+                                        </p:tav>
+                                        <p:tav tm="100000">
+                                          <p:val>
+                                            <p:strVal val="#ppt_y"/>
+                                          </p:val>
+                                        </p:tav>
+                                      </p:tavLst>
+                                    </p:anim>
+                                  </p:childTnLst>
+                                </p:cTn>
+                              </p:par>
+                              <p:par>
+                                <p:cTn id="20" presetID="42" presetClass="entr" presetSubtype="0" fill="hold" nodeType="withEffect">
+                                  <p:stCondLst>
+                                    <p:cond delay="0"/>
+                                  </p:stCondLst>
+                                  <p:childTnLst>
+                                    <p:set>
+                                      <p:cBhvr>
+                                        <p:cTn id="21" dur="1" fill="hold">
+                                          <p:stCondLst>
+                                            <p:cond delay="0"/>
+                                          </p:stCondLst>
+                                        </p:cTn>
+                                        <p:tgtEl>
+                                          <p:spTgt spid="3">
+                                            <p:txEl>
+                                              <p:pRg st="11" end="11"/>
+                                            </p:txEl>
+                                          </p:spTgt>
+                                        </p:tgtEl>
+                                        <p:attrNameLst>
+                                          <p:attrName>style.visibility</p:attrName>
+                                        </p:attrNameLst>
+                                      </p:cBhvr>
+                                      <p:to>
+                                        <p:strVal val="visible"/>
+                                      </p:to>
+                                    </p:set>
+                                    <p:animEffect transition="in" filter="fade">
+                                      <p:cBhvr>
+                                        <p:cTn id="22" dur="1000"/>
+                                        <p:tgtEl>
+                                          <p:spTgt spid="3">
+                                            <p:txEl>
+                                              <p:pRg st="11" end="11"/>
+                                            </p:txEl>
+                                          </p:spTgt>
+                                        </p:tgtEl>
+                                      </p:cBhvr>
+                                    </p:animEffect>
+                                    <p:anim calcmode="lin" valueType="num">
+                                      <p:cBhvr>
+                                        <p:cTn id="23" dur="1000" fill="hold"/>
+                                        <p:tgtEl>
+                                          <p:spTgt spid="3">
+                                            <p:txEl>
+                                              <p:pRg st="11" end="11"/>
+                                            </p:txEl>
+                                          </p:spTgt>
+                                        </p:tgtEl>
+                                        <p:attrNameLst>
+                                          <p:attrName>ppt_x</p:attrName>
+                                        </p:attrNameLst>
+                                      </p:cBhvr>
+                                      <p:tavLst>
+                                        <p:tav tm="0">
+                                          <p:val>
+                                            <p:strVal val="#ppt_x"/>
+                                          </p:val>
+                                        </p:tav>
+                                        <p:tav tm="100000">
+                                          <p:val>
+                                            <p:strVal val="#ppt_x"/>
+                                          </p:val>
+                                        </p:tav>
+                                      </p:tavLst>
+                                    </p:anim>
+                                    <p:anim calcmode="lin" valueType="num">
+                                      <p:cBhvr>
+                                        <p:cTn id="24" dur="1000" fill="hold"/>
+                                        <p:tgtEl>
+                                          <p:spTgt spid="3">
+                                            <p:txEl>
+                                              <p:pRg st="11" end="11"/>
+                                            </p:txEl>
+                                          </p:spTgt>
+                                        </p:tgtEl>
+                                        <p:attrNameLst>
+                                          <p:attrName>ppt_y</p:attrName>
+                                        </p:attrNameLst>
+                                      </p:cBhvr>
+                                      <p:tavLst>
+                                        <p:tav tm="0">
+                                          <p:val>
+                                            <p:strVal val="#ppt_y+.1"/>
+                                          </p:val>
+                                        </p:tav>
+                                        <p:tav tm="100000">
+                                          <p:val>
+                                            <p:strVal val="#ppt_y"/>
+                                          </p:val>
+                                        </p:tav>
+                                      </p:tavLst>
+                                    </p:anim>
+                                  </p:childTnLst>
+                                </p:cTn>
+                              </p:par>
+                            </p:childTnLst>
+                          </p:cTn>
+                        </p:par>
+                      </p:childTnLst>
+                    </p:cTn>
+                  </p:par>
+                </p:childTnLst>
+              </p:cTn>
+              <p:prevCondLst>
+                <p:cond evt="onPrev" delay="0">
+                  <p:tgtEl>
+                    <p:sldTgt/>
+                  </p:tgtEl>
+                </p:cond>
+              </p:prevCondLst>
+              <p:nextCondLst>
+                <p:cond evt="onNext" delay="0">
+                  <p:tgtEl>
+                    <p:sldTgt/>
+                  </p:tgtEl>
+                </p:cond>
+              </p:nextCondLst>
+            </p:seq>
+          </p:childTnLst>
+        </p:cTn>
+      </p:par>
+    </p:tnLst>
+  </p:timing>
 </p:sld>
 </file>
 

--- a/Doku/Präsentation/Showcase_AntidustA2.0_Fernwartung.pptx
+++ b/Doku/Präsentation/Showcase_AntidustA2.0_Fernwartung.pptx
@@ -9016,12 +9016,8 @@
               <a:buChar char="•"/>
             </a:pPr>
             <a:r>
-              <a:rPr lang="de-DE" dirty="0" err="1"/>
-              <a:t>AntidustA</a:t>
-            </a:r>
-            <a:r>
               <a:rPr lang="de-DE" dirty="0"/>
-              <a:t> einschalten</a:t>
+              <a:t>AntidustA einschalten</a:t>
             </a:r>
           </a:p>
           <a:p>
@@ -9049,13 +9045,8 @@
             </a:pPr>
             <a:r>
               <a:rPr lang="de-DE" dirty="0"/>
-              <a:t>Passwort: </a:t>
-            </a:r>
-            <a:r>
-              <a:rPr lang="de-DE" dirty="0" err="1"/>
-              <a:t>AntidustA</a:t>
-            </a:r>
-            <a:endParaRPr lang="de-DE" dirty="0"/>
+              <a:t>Passwort: AntidustA</a:t>
+            </a:r>
           </a:p>
           <a:p>
             <a:pPr marL="285750" indent="-285750">
